--- a/PaperReview.pptx
+++ b/PaperReview.pptx
@@ -7,8 +7,9 @@
   <p:sldIdLst>
     <p:sldId id="256" r:id="rId2"/>
     <p:sldId id="257" r:id="rId3"/>
-    <p:sldId id="258" r:id="rId4"/>
-    <p:sldId id="259" r:id="rId5"/>
+    <p:sldId id="260" r:id="rId4"/>
+    <p:sldId id="258" r:id="rId5"/>
+    <p:sldId id="259" r:id="rId6"/>
   </p:sldIdLst>
   <p:sldSz cx="12192000" cy="6858000"/>
   <p:notesSz cx="6858000" cy="9144000"/>
@@ -107,6 +108,11 @@
       </a:defRPr>
     </a:lvl9pPr>
   </p:defaultTextStyle>
+  <p:extLst>
+    <p:ext uri="{EFAFB233-063F-42B5-8137-9DF3F51BA10A}">
+      <p15:sldGuideLst xmlns:p15="http://schemas.microsoft.com/office/powerpoint/2012/main"/>
+    </p:ext>
+  </p:extLst>
 </p:presentation>
 </file>
 
@@ -4178,6 +4184,3009 @@
       </p:grpSpPr>
       <p:sp>
         <p:nvSpPr>
+          <p:cNvPr id="2" name="Title 1">
+            <a:extLst>
+              <a:ext uri="{FF2B5EF4-FFF2-40B4-BE49-F238E27FC236}">
+                <a16:creationId xmlns:a16="http://schemas.microsoft.com/office/drawing/2014/main" id="{6B3A8257-432D-E2BC-947D-46CEB1027706}"/>
+              </a:ext>
+            </a:extLst>
+          </p:cNvPr>
+          <p:cNvSpPr>
+            <a:spLocks noGrp="1"/>
+          </p:cNvSpPr>
+          <p:nvPr>
+            <p:ph type="ctrTitle"/>
+          </p:nvPr>
+        </p:nvSpPr>
+        <p:spPr>
+          <a:xfrm>
+            <a:off x="1521923" y="-1024056"/>
+            <a:ext cx="9144000" cy="2387600"/>
+          </a:xfrm>
+        </p:spPr>
+        <p:txBody>
+          <a:bodyPr/>
+          <a:lstStyle/>
+          <a:p>
+            <a:r>
+              <a:rPr lang="en-US" dirty="0"/>
+              <a:t>Process flow</a:t>
+            </a:r>
+          </a:p>
+        </p:txBody>
+      </p:sp>
+      <p:sp>
+        <p:nvSpPr>
+          <p:cNvPr id="6" name="TextBox 5">
+            <a:extLst>
+              <a:ext uri="{FF2B5EF4-FFF2-40B4-BE49-F238E27FC236}">
+                <a16:creationId xmlns:a16="http://schemas.microsoft.com/office/drawing/2014/main" id="{9A68793E-D413-D602-D11B-F3197124FB80}"/>
+              </a:ext>
+            </a:extLst>
+          </p:cNvPr>
+          <p:cNvSpPr txBox="1"/>
+          <p:nvPr/>
+        </p:nvSpPr>
+        <p:spPr>
+          <a:xfrm>
+            <a:off x="680404" y="2367147"/>
+            <a:ext cx="1517072" cy="369332"/>
+          </a:xfrm>
+          <a:prstGeom prst="rect">
+            <a:avLst/>
+          </a:prstGeom>
+          <a:noFill/>
+        </p:spPr>
+        <p:txBody>
+          <a:bodyPr wrap="square" rtlCol="0">
+            <a:spAutoFit/>
+          </a:bodyPr>
+          <a:lstStyle/>
+          <a:p>
+            <a:r>
+              <a:rPr lang="en-US" dirty="0"/>
+              <a:t>Publisher</a:t>
+            </a:r>
+          </a:p>
+        </p:txBody>
+      </p:sp>
+      <p:sp>
+        <p:nvSpPr>
+          <p:cNvPr id="7" name="TextBox 6">
+            <a:extLst>
+              <a:ext uri="{FF2B5EF4-FFF2-40B4-BE49-F238E27FC236}">
+                <a16:creationId xmlns:a16="http://schemas.microsoft.com/office/drawing/2014/main" id="{9786DA02-B3D2-E544-1A8B-1BFAB4D544D0}"/>
+              </a:ext>
+            </a:extLst>
+          </p:cNvPr>
+          <p:cNvSpPr txBox="1"/>
+          <p:nvPr/>
+        </p:nvSpPr>
+        <p:spPr>
+          <a:xfrm>
+            <a:off x="2280004" y="2226435"/>
+            <a:ext cx="1229992" cy="369332"/>
+          </a:xfrm>
+          <a:prstGeom prst="rect">
+            <a:avLst/>
+          </a:prstGeom>
+          <a:noFill/>
+        </p:spPr>
+        <p:txBody>
+          <a:bodyPr wrap="square" rtlCol="0">
+            <a:spAutoFit/>
+          </a:bodyPr>
+          <a:lstStyle/>
+          <a:p>
+            <a:r>
+              <a:rPr lang="en-US" dirty="0"/>
+              <a:t>paper</a:t>
+            </a:r>
+          </a:p>
+        </p:txBody>
+      </p:sp>
+      <p:cxnSp>
+        <p:nvCxnSpPr>
+          <p:cNvPr id="9" name="Straight Arrow Connector 8">
+            <a:extLst>
+              <a:ext uri="{FF2B5EF4-FFF2-40B4-BE49-F238E27FC236}">
+                <a16:creationId xmlns:a16="http://schemas.microsoft.com/office/drawing/2014/main" id="{C1DAB7E3-E5E3-EBCC-C79A-0CE8B51BA286}"/>
+              </a:ext>
+            </a:extLst>
+          </p:cNvPr>
+          <p:cNvCxnSpPr/>
+          <p:nvPr/>
+        </p:nvCxnSpPr>
+        <p:spPr>
+          <a:xfrm>
+            <a:off x="1889614" y="2551813"/>
+            <a:ext cx="1822577" cy="0"/>
+          </a:xfrm>
+          <a:prstGeom prst="straightConnector1">
+            <a:avLst/>
+          </a:prstGeom>
+          <a:ln>
+            <a:tailEnd type="triangle"/>
+          </a:ln>
+        </p:spPr>
+        <p:style>
+          <a:lnRef idx="2">
+            <a:schemeClr val="accent1"/>
+          </a:lnRef>
+          <a:fillRef idx="0">
+            <a:schemeClr val="accent1"/>
+          </a:fillRef>
+          <a:effectRef idx="1">
+            <a:schemeClr val="accent1"/>
+          </a:effectRef>
+          <a:fontRef idx="minor">
+            <a:schemeClr val="tx1"/>
+          </a:fontRef>
+        </p:style>
+      </p:cxnSp>
+      <p:sp>
+        <p:nvSpPr>
+          <p:cNvPr id="10" name="Rectangle 9">
+            <a:extLst>
+              <a:ext uri="{FF2B5EF4-FFF2-40B4-BE49-F238E27FC236}">
+                <a16:creationId xmlns:a16="http://schemas.microsoft.com/office/drawing/2014/main" id="{44CBE3E6-B7EA-F747-947F-672E3D37BA36}"/>
+              </a:ext>
+            </a:extLst>
+          </p:cNvPr>
+          <p:cNvSpPr/>
+          <p:nvPr/>
+        </p:nvSpPr>
+        <p:spPr>
+          <a:xfrm>
+            <a:off x="3759059" y="2275076"/>
+            <a:ext cx="3084394" cy="553474"/>
+          </a:xfrm>
+          <a:prstGeom prst="rect">
+            <a:avLst/>
+          </a:prstGeom>
+        </p:spPr>
+        <p:style>
+          <a:lnRef idx="2">
+            <a:schemeClr val="accent1">
+              <a:shade val="15000"/>
+            </a:schemeClr>
+          </a:lnRef>
+          <a:fillRef idx="1">
+            <a:schemeClr val="accent1"/>
+          </a:fillRef>
+          <a:effectRef idx="0">
+            <a:schemeClr val="accent1"/>
+          </a:effectRef>
+          <a:fontRef idx="minor">
+            <a:schemeClr val="lt1"/>
+          </a:fontRef>
+        </p:style>
+        <p:txBody>
+          <a:bodyPr rtlCol="0" anchor="ctr"/>
+          <a:lstStyle/>
+          <a:p>
+            <a:pPr algn="ctr"/>
+            <a:r>
+              <a:rPr lang="en-US" dirty="0"/>
+              <a:t>New MDPI</a:t>
+            </a:r>
+          </a:p>
+        </p:txBody>
+      </p:sp>
+      <p:cxnSp>
+        <p:nvCxnSpPr>
+          <p:cNvPr id="15" name="Straight Connector 14">
+            <a:extLst>
+              <a:ext uri="{FF2B5EF4-FFF2-40B4-BE49-F238E27FC236}">
+                <a16:creationId xmlns:a16="http://schemas.microsoft.com/office/drawing/2014/main" id="{7C523DD1-D4B2-9046-86D1-28D70C83F85C}"/>
+              </a:ext>
+            </a:extLst>
+          </p:cNvPr>
+          <p:cNvCxnSpPr>
+            <a:cxnSpLocks/>
+            <a:stCxn id="10" idx="2"/>
+          </p:cNvCxnSpPr>
+          <p:nvPr/>
+        </p:nvCxnSpPr>
+        <p:spPr>
+          <a:xfrm>
+            <a:off x="5301256" y="2828550"/>
+            <a:ext cx="0" cy="746845"/>
+          </a:xfrm>
+          <a:prstGeom prst="line">
+            <a:avLst/>
+          </a:prstGeom>
+        </p:spPr>
+        <p:style>
+          <a:lnRef idx="2">
+            <a:schemeClr val="accent1"/>
+          </a:lnRef>
+          <a:fillRef idx="0">
+            <a:schemeClr val="accent1"/>
+          </a:fillRef>
+          <a:effectRef idx="1">
+            <a:schemeClr val="accent1"/>
+          </a:effectRef>
+          <a:fontRef idx="minor">
+            <a:schemeClr val="tx1"/>
+          </a:fontRef>
+        </p:style>
+      </p:cxnSp>
+      <p:cxnSp>
+        <p:nvCxnSpPr>
+          <p:cNvPr id="19" name="Straight Connector 18">
+            <a:extLst>
+              <a:ext uri="{FF2B5EF4-FFF2-40B4-BE49-F238E27FC236}">
+                <a16:creationId xmlns:a16="http://schemas.microsoft.com/office/drawing/2014/main" id="{CDA75818-B523-B9F4-83DB-B74F942875DC}"/>
+              </a:ext>
+            </a:extLst>
+          </p:cNvPr>
+          <p:cNvCxnSpPr>
+            <a:cxnSpLocks/>
+          </p:cNvCxnSpPr>
+          <p:nvPr/>
+        </p:nvCxnSpPr>
+        <p:spPr>
+          <a:xfrm>
+            <a:off x="5282157" y="3944727"/>
+            <a:ext cx="0" cy="746845"/>
+          </a:xfrm>
+          <a:prstGeom prst="line">
+            <a:avLst/>
+          </a:prstGeom>
+        </p:spPr>
+        <p:style>
+          <a:lnRef idx="2">
+            <a:schemeClr val="accent1"/>
+          </a:lnRef>
+          <a:fillRef idx="0">
+            <a:schemeClr val="accent1"/>
+          </a:fillRef>
+          <a:effectRef idx="1">
+            <a:schemeClr val="accent1"/>
+          </a:effectRef>
+          <a:fontRef idx="minor">
+            <a:schemeClr val="tx1"/>
+          </a:fontRef>
+        </p:style>
+      </p:cxnSp>
+      <p:sp>
+        <p:nvSpPr>
+          <p:cNvPr id="20" name="TextBox 19">
+            <a:extLst>
+              <a:ext uri="{FF2B5EF4-FFF2-40B4-BE49-F238E27FC236}">
+                <a16:creationId xmlns:a16="http://schemas.microsoft.com/office/drawing/2014/main" id="{E259038E-432A-3280-1CAF-A6EC37B7567E}"/>
+              </a:ext>
+            </a:extLst>
+          </p:cNvPr>
+          <p:cNvSpPr txBox="1"/>
+          <p:nvPr/>
+        </p:nvSpPr>
+        <p:spPr>
+          <a:xfrm>
+            <a:off x="5301256" y="4217630"/>
+            <a:ext cx="1834092" cy="369332"/>
+          </a:xfrm>
+          <a:prstGeom prst="rect">
+            <a:avLst/>
+          </a:prstGeom>
+          <a:noFill/>
+        </p:spPr>
+        <p:txBody>
+          <a:bodyPr wrap="none" rtlCol="0">
+            <a:spAutoFit/>
+          </a:bodyPr>
+          <a:lstStyle/>
+          <a:p>
+            <a:r>
+              <a:rPr lang="en-US" i="1" dirty="0"/>
+              <a:t>Review and  vote</a:t>
+            </a:r>
+          </a:p>
+        </p:txBody>
+      </p:sp>
+      <p:cxnSp>
+        <p:nvCxnSpPr>
+          <p:cNvPr id="23" name="Straight Connector 22">
+            <a:extLst>
+              <a:ext uri="{FF2B5EF4-FFF2-40B4-BE49-F238E27FC236}">
+                <a16:creationId xmlns:a16="http://schemas.microsoft.com/office/drawing/2014/main" id="{837208BD-1566-F92D-7007-77D19451E126}"/>
+              </a:ext>
+            </a:extLst>
+          </p:cNvPr>
+          <p:cNvCxnSpPr/>
+          <p:nvPr/>
+        </p:nvCxnSpPr>
+        <p:spPr>
+          <a:xfrm>
+            <a:off x="5282157" y="4691572"/>
+            <a:ext cx="2533375" cy="0"/>
+          </a:xfrm>
+          <a:prstGeom prst="line">
+            <a:avLst/>
+          </a:prstGeom>
+        </p:spPr>
+        <p:style>
+          <a:lnRef idx="2">
+            <a:schemeClr val="accent1"/>
+          </a:lnRef>
+          <a:fillRef idx="0">
+            <a:schemeClr val="accent1"/>
+          </a:fillRef>
+          <a:effectRef idx="1">
+            <a:schemeClr val="accent1"/>
+          </a:effectRef>
+          <a:fontRef idx="minor">
+            <a:schemeClr val="tx1"/>
+          </a:fontRef>
+        </p:style>
+      </p:cxnSp>
+      <p:cxnSp>
+        <p:nvCxnSpPr>
+          <p:cNvPr id="25" name="Straight Connector 24">
+            <a:extLst>
+              <a:ext uri="{FF2B5EF4-FFF2-40B4-BE49-F238E27FC236}">
+                <a16:creationId xmlns:a16="http://schemas.microsoft.com/office/drawing/2014/main" id="{25FC7D73-4801-6E1A-C3FB-D8D0D4D0E19A}"/>
+              </a:ext>
+            </a:extLst>
+          </p:cNvPr>
+          <p:cNvCxnSpPr/>
+          <p:nvPr/>
+        </p:nvCxnSpPr>
+        <p:spPr>
+          <a:xfrm>
+            <a:off x="7815532" y="3780825"/>
+            <a:ext cx="0" cy="1846053"/>
+          </a:xfrm>
+          <a:prstGeom prst="line">
+            <a:avLst/>
+          </a:prstGeom>
+        </p:spPr>
+        <p:style>
+          <a:lnRef idx="2">
+            <a:schemeClr val="accent2"/>
+          </a:lnRef>
+          <a:fillRef idx="0">
+            <a:schemeClr val="accent2"/>
+          </a:fillRef>
+          <a:effectRef idx="1">
+            <a:schemeClr val="accent2"/>
+          </a:effectRef>
+          <a:fontRef idx="minor">
+            <a:schemeClr val="tx1"/>
+          </a:fontRef>
+        </p:style>
+      </p:cxnSp>
+      <p:cxnSp>
+        <p:nvCxnSpPr>
+          <p:cNvPr id="26" name="Straight Connector 25">
+            <a:extLst>
+              <a:ext uri="{FF2B5EF4-FFF2-40B4-BE49-F238E27FC236}">
+                <a16:creationId xmlns:a16="http://schemas.microsoft.com/office/drawing/2014/main" id="{CC88AB8D-D8C5-9285-A07E-A6C757BCD2C4}"/>
+              </a:ext>
+            </a:extLst>
+          </p:cNvPr>
+          <p:cNvCxnSpPr>
+            <a:cxnSpLocks/>
+          </p:cNvCxnSpPr>
+          <p:nvPr/>
+        </p:nvCxnSpPr>
+        <p:spPr>
+          <a:xfrm>
+            <a:off x="7815532" y="5629333"/>
+            <a:ext cx="1495245" cy="11502"/>
+          </a:xfrm>
+          <a:prstGeom prst="line">
+            <a:avLst/>
+          </a:prstGeom>
+        </p:spPr>
+        <p:style>
+          <a:lnRef idx="2">
+            <a:schemeClr val="accent2"/>
+          </a:lnRef>
+          <a:fillRef idx="0">
+            <a:schemeClr val="accent2"/>
+          </a:fillRef>
+          <a:effectRef idx="1">
+            <a:schemeClr val="accent2"/>
+          </a:effectRef>
+          <a:fontRef idx="minor">
+            <a:schemeClr val="tx1"/>
+          </a:fontRef>
+        </p:style>
+      </p:cxnSp>
+      <p:cxnSp>
+        <p:nvCxnSpPr>
+          <p:cNvPr id="27" name="Straight Connector 26">
+            <a:extLst>
+              <a:ext uri="{FF2B5EF4-FFF2-40B4-BE49-F238E27FC236}">
+                <a16:creationId xmlns:a16="http://schemas.microsoft.com/office/drawing/2014/main" id="{1947B0F4-DB89-47D4-CA70-5B735FBF2714}"/>
+              </a:ext>
+            </a:extLst>
+          </p:cNvPr>
+          <p:cNvCxnSpPr>
+            <a:cxnSpLocks/>
+          </p:cNvCxnSpPr>
+          <p:nvPr/>
+        </p:nvCxnSpPr>
+        <p:spPr>
+          <a:xfrm>
+            <a:off x="7815532" y="3780825"/>
+            <a:ext cx="1524001" cy="9435"/>
+          </a:xfrm>
+          <a:prstGeom prst="line">
+            <a:avLst/>
+          </a:prstGeom>
+        </p:spPr>
+        <p:style>
+          <a:lnRef idx="2">
+            <a:schemeClr val="accent2"/>
+          </a:lnRef>
+          <a:fillRef idx="0">
+            <a:schemeClr val="accent2"/>
+          </a:fillRef>
+          <a:effectRef idx="1">
+            <a:schemeClr val="accent2"/>
+          </a:effectRef>
+          <a:fontRef idx="minor">
+            <a:schemeClr val="tx1"/>
+          </a:fontRef>
+        </p:style>
+      </p:cxnSp>
+      <p:sp>
+        <p:nvSpPr>
+          <p:cNvPr id="31" name="TextBox 30">
+            <a:extLst>
+              <a:ext uri="{FF2B5EF4-FFF2-40B4-BE49-F238E27FC236}">
+                <a16:creationId xmlns:a16="http://schemas.microsoft.com/office/drawing/2014/main" id="{13B82294-4301-AA83-EF6D-EBFB2D7FD8B4}"/>
+              </a:ext>
+            </a:extLst>
+          </p:cNvPr>
+          <p:cNvSpPr txBox="1"/>
+          <p:nvPr/>
+        </p:nvSpPr>
+        <p:spPr>
+          <a:xfrm>
+            <a:off x="7677508" y="3439273"/>
+            <a:ext cx="2070333" cy="369332"/>
+          </a:xfrm>
+          <a:prstGeom prst="rect">
+            <a:avLst/>
+          </a:prstGeom>
+          <a:noFill/>
+        </p:spPr>
+        <p:txBody>
+          <a:bodyPr wrap="square" rtlCol="0">
+            <a:spAutoFit/>
+          </a:bodyPr>
+          <a:lstStyle/>
+          <a:p>
+            <a:r>
+              <a:rPr lang="en-US" dirty="0"/>
+              <a:t>Paper accepted</a:t>
+            </a:r>
+          </a:p>
+        </p:txBody>
+      </p:sp>
+      <p:sp>
+        <p:nvSpPr>
+          <p:cNvPr id="32" name="TextBox 31">
+            <a:extLst>
+              <a:ext uri="{FF2B5EF4-FFF2-40B4-BE49-F238E27FC236}">
+                <a16:creationId xmlns:a16="http://schemas.microsoft.com/office/drawing/2014/main" id="{F66DA51D-5D01-06A0-BE57-94129A6AEF11}"/>
+              </a:ext>
+            </a:extLst>
+          </p:cNvPr>
+          <p:cNvSpPr txBox="1"/>
+          <p:nvPr/>
+        </p:nvSpPr>
+        <p:spPr>
+          <a:xfrm>
+            <a:off x="7737505" y="5333380"/>
+            <a:ext cx="2070333" cy="369332"/>
+          </a:xfrm>
+          <a:prstGeom prst="rect">
+            <a:avLst/>
+          </a:prstGeom>
+          <a:noFill/>
+        </p:spPr>
+        <p:txBody>
+          <a:bodyPr wrap="square" rtlCol="0">
+            <a:spAutoFit/>
+          </a:bodyPr>
+          <a:lstStyle/>
+          <a:p>
+            <a:r>
+              <a:rPr lang="en-US" dirty="0"/>
+              <a:t>Paper rejected</a:t>
+            </a:r>
+          </a:p>
+        </p:txBody>
+      </p:sp>
+      <p:cxnSp>
+        <p:nvCxnSpPr>
+          <p:cNvPr id="33" name="Straight Connector 32">
+            <a:extLst>
+              <a:ext uri="{FF2B5EF4-FFF2-40B4-BE49-F238E27FC236}">
+                <a16:creationId xmlns:a16="http://schemas.microsoft.com/office/drawing/2014/main" id="{FDC96877-7DA4-DC0F-8337-FB50A083728C}"/>
+              </a:ext>
+            </a:extLst>
+          </p:cNvPr>
+          <p:cNvCxnSpPr>
+            <a:cxnSpLocks/>
+          </p:cNvCxnSpPr>
+          <p:nvPr/>
+        </p:nvCxnSpPr>
+        <p:spPr>
+          <a:xfrm>
+            <a:off x="9320465" y="4691572"/>
+            <a:ext cx="0" cy="1346329"/>
+          </a:xfrm>
+          <a:prstGeom prst="line">
+            <a:avLst/>
+          </a:prstGeom>
+        </p:spPr>
+        <p:style>
+          <a:lnRef idx="2">
+            <a:schemeClr val="accent2"/>
+          </a:lnRef>
+          <a:fillRef idx="0">
+            <a:schemeClr val="accent2"/>
+          </a:fillRef>
+          <a:effectRef idx="1">
+            <a:schemeClr val="accent2"/>
+          </a:effectRef>
+          <a:fontRef idx="minor">
+            <a:schemeClr val="tx1"/>
+          </a:fontRef>
+        </p:style>
+      </p:cxnSp>
+      <p:cxnSp>
+        <p:nvCxnSpPr>
+          <p:cNvPr id="34" name="Straight Connector 33">
+            <a:extLst>
+              <a:ext uri="{FF2B5EF4-FFF2-40B4-BE49-F238E27FC236}">
+                <a16:creationId xmlns:a16="http://schemas.microsoft.com/office/drawing/2014/main" id="{BA74B776-9CDF-AFB0-C345-3CBE5AB4ED01}"/>
+              </a:ext>
+            </a:extLst>
+          </p:cNvPr>
+          <p:cNvCxnSpPr>
+            <a:cxnSpLocks/>
+          </p:cNvCxnSpPr>
+          <p:nvPr/>
+        </p:nvCxnSpPr>
+        <p:spPr>
+          <a:xfrm>
+            <a:off x="9339533" y="3000269"/>
+            <a:ext cx="0" cy="1217361"/>
+          </a:xfrm>
+          <a:prstGeom prst="line">
+            <a:avLst/>
+          </a:prstGeom>
+        </p:spPr>
+        <p:style>
+          <a:lnRef idx="2">
+            <a:schemeClr val="accent2"/>
+          </a:lnRef>
+          <a:fillRef idx="0">
+            <a:schemeClr val="accent2"/>
+          </a:fillRef>
+          <a:effectRef idx="1">
+            <a:schemeClr val="accent2"/>
+          </a:effectRef>
+          <a:fontRef idx="minor">
+            <a:schemeClr val="tx1"/>
+          </a:fontRef>
+        </p:style>
+      </p:cxnSp>
+      <p:cxnSp>
+        <p:nvCxnSpPr>
+          <p:cNvPr id="37" name="Straight Connector 36">
+            <a:extLst>
+              <a:ext uri="{FF2B5EF4-FFF2-40B4-BE49-F238E27FC236}">
+                <a16:creationId xmlns:a16="http://schemas.microsoft.com/office/drawing/2014/main" id="{FE0A1A50-CDC0-5E71-E7F1-C33D1C3DF752}"/>
+              </a:ext>
+            </a:extLst>
+          </p:cNvPr>
+          <p:cNvCxnSpPr>
+            <a:cxnSpLocks/>
+          </p:cNvCxnSpPr>
+          <p:nvPr/>
+        </p:nvCxnSpPr>
+        <p:spPr>
+          <a:xfrm>
+            <a:off x="9339532" y="4221309"/>
+            <a:ext cx="1495245" cy="11502"/>
+          </a:xfrm>
+          <a:prstGeom prst="line">
+            <a:avLst/>
+          </a:prstGeom>
+        </p:spPr>
+        <p:style>
+          <a:lnRef idx="2">
+            <a:schemeClr val="accent2"/>
+          </a:lnRef>
+          <a:fillRef idx="0">
+            <a:schemeClr val="accent2"/>
+          </a:fillRef>
+          <a:effectRef idx="1">
+            <a:schemeClr val="accent2"/>
+          </a:effectRef>
+          <a:fontRef idx="minor">
+            <a:schemeClr val="tx1"/>
+          </a:fontRef>
+        </p:style>
+      </p:cxnSp>
+      <p:cxnSp>
+        <p:nvCxnSpPr>
+          <p:cNvPr id="38" name="Straight Connector 37">
+            <a:extLst>
+              <a:ext uri="{FF2B5EF4-FFF2-40B4-BE49-F238E27FC236}">
+                <a16:creationId xmlns:a16="http://schemas.microsoft.com/office/drawing/2014/main" id="{10B7A4A9-07C9-1975-14ED-5D831A6A2C47}"/>
+              </a:ext>
+            </a:extLst>
+          </p:cNvPr>
+          <p:cNvCxnSpPr>
+            <a:cxnSpLocks/>
+          </p:cNvCxnSpPr>
+          <p:nvPr/>
+        </p:nvCxnSpPr>
+        <p:spPr>
+          <a:xfrm>
+            <a:off x="9339533" y="3000269"/>
+            <a:ext cx="1243407" cy="0"/>
+          </a:xfrm>
+          <a:prstGeom prst="line">
+            <a:avLst/>
+          </a:prstGeom>
+        </p:spPr>
+        <p:style>
+          <a:lnRef idx="2">
+            <a:schemeClr val="accent2"/>
+          </a:lnRef>
+          <a:fillRef idx="0">
+            <a:schemeClr val="accent2"/>
+          </a:fillRef>
+          <a:effectRef idx="1">
+            <a:schemeClr val="accent2"/>
+          </a:effectRef>
+          <a:fontRef idx="minor">
+            <a:schemeClr val="tx1"/>
+          </a:fontRef>
+        </p:style>
+      </p:cxnSp>
+      <p:sp>
+        <p:nvSpPr>
+          <p:cNvPr id="39" name="TextBox 38">
+            <a:extLst>
+              <a:ext uri="{FF2B5EF4-FFF2-40B4-BE49-F238E27FC236}">
+                <a16:creationId xmlns:a16="http://schemas.microsoft.com/office/drawing/2014/main" id="{4E42A1F1-805B-7522-628D-2039D201FA7F}"/>
+              </a:ext>
+            </a:extLst>
+          </p:cNvPr>
+          <p:cNvSpPr txBox="1"/>
+          <p:nvPr/>
+        </p:nvSpPr>
+        <p:spPr>
+          <a:xfrm>
+            <a:off x="9307902" y="2665080"/>
+            <a:ext cx="1116251" cy="369332"/>
+          </a:xfrm>
+          <a:prstGeom prst="rect">
+            <a:avLst/>
+          </a:prstGeom>
+          <a:noFill/>
+        </p:spPr>
+        <p:txBody>
+          <a:bodyPr wrap="square" rtlCol="0">
+            <a:spAutoFit/>
+          </a:bodyPr>
+          <a:lstStyle/>
+          <a:p>
+            <a:r>
+              <a:rPr lang="en-US" dirty="0"/>
+              <a:t>Reviewer</a:t>
+            </a:r>
+          </a:p>
+        </p:txBody>
+      </p:sp>
+      <p:sp>
+        <p:nvSpPr>
+          <p:cNvPr id="40" name="TextBox 39">
+            <a:extLst>
+              <a:ext uri="{FF2B5EF4-FFF2-40B4-BE49-F238E27FC236}">
+                <a16:creationId xmlns:a16="http://schemas.microsoft.com/office/drawing/2014/main" id="{8D5ED559-FF4D-A5EC-FE2D-E2362EE7D82E}"/>
+              </a:ext>
+            </a:extLst>
+          </p:cNvPr>
+          <p:cNvSpPr txBox="1"/>
+          <p:nvPr/>
+        </p:nvSpPr>
+        <p:spPr>
+          <a:xfrm>
+            <a:off x="9431533" y="3920262"/>
+            <a:ext cx="2070333" cy="369332"/>
+          </a:xfrm>
+          <a:prstGeom prst="rect">
+            <a:avLst/>
+          </a:prstGeom>
+          <a:noFill/>
+        </p:spPr>
+        <p:txBody>
+          <a:bodyPr wrap="square" rtlCol="0">
+            <a:spAutoFit/>
+          </a:bodyPr>
+          <a:lstStyle/>
+          <a:p>
+            <a:r>
+              <a:rPr lang="en-US" dirty="0"/>
+              <a:t>Publisher</a:t>
+            </a:r>
+          </a:p>
+        </p:txBody>
+      </p:sp>
+      <p:pic>
+        <p:nvPicPr>
+          <p:cNvPr id="46" name="Graphic 45" descr="Coins with solid fill">
+            <a:extLst>
+              <a:ext uri="{FF2B5EF4-FFF2-40B4-BE49-F238E27FC236}">
+                <a16:creationId xmlns:a16="http://schemas.microsoft.com/office/drawing/2014/main" id="{4090D19D-68BD-E320-673D-8AA38518C389}"/>
+              </a:ext>
+            </a:extLst>
+          </p:cNvPr>
+          <p:cNvPicPr>
+            <a:picLocks noChangeAspect="1"/>
+          </p:cNvPicPr>
+          <p:nvPr/>
+        </p:nvPicPr>
+        <p:blipFill>
+          <a:blip r:embed="rId2">
+            <a:extLst>
+              <a:ext uri="{96DAC541-7B7A-43D3-8B79-37D633B846F1}">
+                <asvg:svgBlip xmlns:asvg="http://schemas.microsoft.com/office/drawing/2016/SVG/main" r:embed="rId3"/>
+              </a:ext>
+            </a:extLst>
+          </a:blip>
+          <a:stretch>
+            <a:fillRect/>
+          </a:stretch>
+        </p:blipFill>
+        <p:spPr>
+          <a:xfrm>
+            <a:off x="10903821" y="3837209"/>
+            <a:ext cx="452385" cy="452385"/>
+          </a:xfrm>
+          <a:prstGeom prst="rect">
+            <a:avLst/>
+          </a:prstGeom>
+        </p:spPr>
+      </p:pic>
+      <p:sp>
+        <p:nvSpPr>
+          <p:cNvPr id="47" name="Plus 46">
+            <a:extLst>
+              <a:ext uri="{FF2B5EF4-FFF2-40B4-BE49-F238E27FC236}">
+                <a16:creationId xmlns:a16="http://schemas.microsoft.com/office/drawing/2014/main" id="{C9D6C4C5-D68B-2C76-0569-8699FBA3FAEC}"/>
+              </a:ext>
+            </a:extLst>
+          </p:cNvPr>
+          <p:cNvSpPr/>
+          <p:nvPr/>
+        </p:nvSpPr>
+        <p:spPr>
+          <a:xfrm>
+            <a:off x="10624807" y="3955646"/>
+            <a:ext cx="244492" cy="241560"/>
+          </a:xfrm>
+          <a:prstGeom prst="mathPlus">
+            <a:avLst/>
+          </a:prstGeom>
+        </p:spPr>
+        <p:style>
+          <a:lnRef idx="2">
+            <a:schemeClr val="accent1">
+              <a:shade val="15000"/>
+            </a:schemeClr>
+          </a:lnRef>
+          <a:fillRef idx="1">
+            <a:schemeClr val="accent1"/>
+          </a:fillRef>
+          <a:effectRef idx="0">
+            <a:schemeClr val="accent1"/>
+          </a:effectRef>
+          <a:fontRef idx="minor">
+            <a:schemeClr val="lt1"/>
+          </a:fontRef>
+        </p:style>
+        <p:txBody>
+          <a:bodyPr rtlCol="0" anchor="ctr"/>
+          <a:lstStyle/>
+          <a:p>
+            <a:pPr algn="ctr"/>
+            <a:endParaRPr lang="en-US"/>
+          </a:p>
+        </p:txBody>
+      </p:sp>
+      <p:cxnSp>
+        <p:nvCxnSpPr>
+          <p:cNvPr id="48" name="Straight Connector 47">
+            <a:extLst>
+              <a:ext uri="{FF2B5EF4-FFF2-40B4-BE49-F238E27FC236}">
+                <a16:creationId xmlns:a16="http://schemas.microsoft.com/office/drawing/2014/main" id="{8CC133B8-F59E-47A1-93C9-FFAC78E53FC6}"/>
+              </a:ext>
+            </a:extLst>
+          </p:cNvPr>
+          <p:cNvCxnSpPr>
+            <a:cxnSpLocks/>
+          </p:cNvCxnSpPr>
+          <p:nvPr/>
+        </p:nvCxnSpPr>
+        <p:spPr>
+          <a:xfrm>
+            <a:off x="10592628" y="2367147"/>
+            <a:ext cx="0" cy="1217361"/>
+          </a:xfrm>
+          <a:prstGeom prst="line">
+            <a:avLst/>
+          </a:prstGeom>
+        </p:spPr>
+        <p:style>
+          <a:lnRef idx="2">
+            <a:schemeClr val="accent2"/>
+          </a:lnRef>
+          <a:fillRef idx="0">
+            <a:schemeClr val="accent2"/>
+          </a:fillRef>
+          <a:effectRef idx="1">
+            <a:schemeClr val="accent2"/>
+          </a:effectRef>
+          <a:fontRef idx="minor">
+            <a:schemeClr val="tx1"/>
+          </a:fontRef>
+        </p:style>
+      </p:cxnSp>
+      <p:cxnSp>
+        <p:nvCxnSpPr>
+          <p:cNvPr id="50" name="Straight Connector 49">
+            <a:extLst>
+              <a:ext uri="{FF2B5EF4-FFF2-40B4-BE49-F238E27FC236}">
+                <a16:creationId xmlns:a16="http://schemas.microsoft.com/office/drawing/2014/main" id="{D7E54C6D-6B86-40B9-DEBC-632BD8114B2F}"/>
+              </a:ext>
+            </a:extLst>
+          </p:cNvPr>
+          <p:cNvCxnSpPr>
+            <a:cxnSpLocks/>
+          </p:cNvCxnSpPr>
+          <p:nvPr/>
+        </p:nvCxnSpPr>
+        <p:spPr>
+          <a:xfrm>
+            <a:off x="10582940" y="2355275"/>
+            <a:ext cx="375792" cy="0"/>
+          </a:xfrm>
+          <a:prstGeom prst="line">
+            <a:avLst/>
+          </a:prstGeom>
+        </p:spPr>
+        <p:style>
+          <a:lnRef idx="2">
+            <a:schemeClr val="accent2"/>
+          </a:lnRef>
+          <a:fillRef idx="0">
+            <a:schemeClr val="accent2"/>
+          </a:fillRef>
+          <a:effectRef idx="1">
+            <a:schemeClr val="accent2"/>
+          </a:effectRef>
+          <a:fontRef idx="minor">
+            <a:schemeClr val="tx1"/>
+          </a:fontRef>
+        </p:style>
+      </p:cxnSp>
+      <p:cxnSp>
+        <p:nvCxnSpPr>
+          <p:cNvPr id="51" name="Straight Connector 50">
+            <a:extLst>
+              <a:ext uri="{FF2B5EF4-FFF2-40B4-BE49-F238E27FC236}">
+                <a16:creationId xmlns:a16="http://schemas.microsoft.com/office/drawing/2014/main" id="{F41BAF1D-DA4B-1752-176F-19330EFA7B69}"/>
+              </a:ext>
+            </a:extLst>
+          </p:cNvPr>
+          <p:cNvCxnSpPr>
+            <a:cxnSpLocks/>
+          </p:cNvCxnSpPr>
+          <p:nvPr/>
+        </p:nvCxnSpPr>
+        <p:spPr>
+          <a:xfrm>
+            <a:off x="10592628" y="3584508"/>
+            <a:ext cx="746180" cy="22640"/>
+          </a:xfrm>
+          <a:prstGeom prst="line">
+            <a:avLst/>
+          </a:prstGeom>
+        </p:spPr>
+        <p:style>
+          <a:lnRef idx="2">
+            <a:schemeClr val="accent2"/>
+          </a:lnRef>
+          <a:fillRef idx="0">
+            <a:schemeClr val="accent2"/>
+          </a:fillRef>
+          <a:effectRef idx="1">
+            <a:schemeClr val="accent2"/>
+          </a:effectRef>
+          <a:fontRef idx="minor">
+            <a:schemeClr val="tx1"/>
+          </a:fontRef>
+        </p:style>
+      </p:cxnSp>
+      <p:sp>
+        <p:nvSpPr>
+          <p:cNvPr id="54" name="Up Arrow 53">
+            <a:extLst>
+              <a:ext uri="{FF2B5EF4-FFF2-40B4-BE49-F238E27FC236}">
+                <a16:creationId xmlns:a16="http://schemas.microsoft.com/office/drawing/2014/main" id="{6FC8C793-2AF4-50AA-6290-B869369CC001}"/>
+              </a:ext>
+            </a:extLst>
+          </p:cNvPr>
+          <p:cNvSpPr/>
+          <p:nvPr/>
+        </p:nvSpPr>
+        <p:spPr>
+          <a:xfrm>
+            <a:off x="10698485" y="2099606"/>
+            <a:ext cx="67879" cy="200465"/>
+          </a:xfrm>
+          <a:prstGeom prst="upArrow">
+            <a:avLst/>
+          </a:prstGeom>
+        </p:spPr>
+        <p:style>
+          <a:lnRef idx="2">
+            <a:schemeClr val="accent1">
+              <a:shade val="15000"/>
+            </a:schemeClr>
+          </a:lnRef>
+          <a:fillRef idx="1">
+            <a:schemeClr val="accent1"/>
+          </a:fillRef>
+          <a:effectRef idx="0">
+            <a:schemeClr val="accent1"/>
+          </a:effectRef>
+          <a:fontRef idx="minor">
+            <a:schemeClr val="lt1"/>
+          </a:fontRef>
+        </p:style>
+        <p:txBody>
+          <a:bodyPr rtlCol="0" anchor="ctr"/>
+          <a:lstStyle/>
+          <a:p>
+            <a:pPr algn="ctr"/>
+            <a:endParaRPr lang="en-US"/>
+          </a:p>
+        </p:txBody>
+      </p:sp>
+      <p:sp>
+        <p:nvSpPr>
+          <p:cNvPr id="55" name="Up Arrow 54">
+            <a:extLst>
+              <a:ext uri="{FF2B5EF4-FFF2-40B4-BE49-F238E27FC236}">
+                <a16:creationId xmlns:a16="http://schemas.microsoft.com/office/drawing/2014/main" id="{12C940F7-86DF-F1AD-0C43-CCA389EB2EEE}"/>
+              </a:ext>
+            </a:extLst>
+          </p:cNvPr>
+          <p:cNvSpPr/>
+          <p:nvPr/>
+        </p:nvSpPr>
+        <p:spPr>
+          <a:xfrm>
+            <a:off x="10804187" y="2099605"/>
+            <a:ext cx="67879" cy="200465"/>
+          </a:xfrm>
+          <a:prstGeom prst="upArrow">
+            <a:avLst/>
+          </a:prstGeom>
+        </p:spPr>
+        <p:style>
+          <a:lnRef idx="2">
+            <a:schemeClr val="accent1">
+              <a:shade val="15000"/>
+            </a:schemeClr>
+          </a:lnRef>
+          <a:fillRef idx="1">
+            <a:schemeClr val="accent1"/>
+          </a:fillRef>
+          <a:effectRef idx="0">
+            <a:schemeClr val="accent1"/>
+          </a:effectRef>
+          <a:fontRef idx="minor">
+            <a:schemeClr val="lt1"/>
+          </a:fontRef>
+        </p:style>
+        <p:txBody>
+          <a:bodyPr rtlCol="0" anchor="ctr"/>
+          <a:lstStyle/>
+          <a:p>
+            <a:pPr algn="ctr"/>
+            <a:endParaRPr lang="en-US"/>
+          </a:p>
+        </p:txBody>
+      </p:sp>
+      <p:sp>
+        <p:nvSpPr>
+          <p:cNvPr id="58" name="Up Arrow 57">
+            <a:extLst>
+              <a:ext uri="{FF2B5EF4-FFF2-40B4-BE49-F238E27FC236}">
+                <a16:creationId xmlns:a16="http://schemas.microsoft.com/office/drawing/2014/main" id="{15E1C248-890D-580B-E012-C8366A70DB2F}"/>
+              </a:ext>
+            </a:extLst>
+          </p:cNvPr>
+          <p:cNvSpPr/>
+          <p:nvPr/>
+        </p:nvSpPr>
+        <p:spPr>
+          <a:xfrm>
+            <a:off x="10682070" y="3271919"/>
+            <a:ext cx="67879" cy="200465"/>
+          </a:xfrm>
+          <a:prstGeom prst="upArrow">
+            <a:avLst/>
+          </a:prstGeom>
+        </p:spPr>
+        <p:style>
+          <a:lnRef idx="2">
+            <a:schemeClr val="accent1">
+              <a:shade val="15000"/>
+            </a:schemeClr>
+          </a:lnRef>
+          <a:fillRef idx="1">
+            <a:schemeClr val="accent1"/>
+          </a:fillRef>
+          <a:effectRef idx="0">
+            <a:schemeClr val="accent1"/>
+          </a:effectRef>
+          <a:fontRef idx="minor">
+            <a:schemeClr val="lt1"/>
+          </a:fontRef>
+        </p:style>
+        <p:txBody>
+          <a:bodyPr rtlCol="0" anchor="ctr"/>
+          <a:lstStyle/>
+          <a:p>
+            <a:pPr algn="ctr"/>
+            <a:endParaRPr lang="en-US" dirty="0"/>
+          </a:p>
+        </p:txBody>
+      </p:sp>
+      <p:sp>
+        <p:nvSpPr>
+          <p:cNvPr id="59" name="Up Arrow 58">
+            <a:extLst>
+              <a:ext uri="{FF2B5EF4-FFF2-40B4-BE49-F238E27FC236}">
+                <a16:creationId xmlns:a16="http://schemas.microsoft.com/office/drawing/2014/main" id="{3CFD697E-8A25-E2CA-3955-81D0A0462117}"/>
+              </a:ext>
+            </a:extLst>
+          </p:cNvPr>
+          <p:cNvSpPr/>
+          <p:nvPr/>
+        </p:nvSpPr>
+        <p:spPr>
+          <a:xfrm rot="10800000">
+            <a:off x="10787772" y="3271918"/>
+            <a:ext cx="67879" cy="200465"/>
+          </a:xfrm>
+          <a:prstGeom prst="upArrow">
+            <a:avLst/>
+          </a:prstGeom>
+        </p:spPr>
+        <p:style>
+          <a:lnRef idx="2">
+            <a:schemeClr val="accent1">
+              <a:shade val="15000"/>
+            </a:schemeClr>
+          </a:lnRef>
+          <a:fillRef idx="1">
+            <a:schemeClr val="accent1"/>
+          </a:fillRef>
+          <a:effectRef idx="0">
+            <a:schemeClr val="accent1"/>
+          </a:effectRef>
+          <a:fontRef idx="minor">
+            <a:schemeClr val="lt1"/>
+          </a:fontRef>
+        </p:style>
+        <p:txBody>
+          <a:bodyPr rtlCol="0" anchor="ctr"/>
+          <a:lstStyle/>
+          <a:p>
+            <a:pPr algn="ctr"/>
+            <a:endParaRPr lang="en-US"/>
+          </a:p>
+        </p:txBody>
+      </p:sp>
+      <p:pic>
+        <p:nvPicPr>
+          <p:cNvPr id="60" name="Graphic 59" descr="Coins with solid fill">
+            <a:extLst>
+              <a:ext uri="{FF2B5EF4-FFF2-40B4-BE49-F238E27FC236}">
+                <a16:creationId xmlns:a16="http://schemas.microsoft.com/office/drawing/2014/main" id="{03CF89B4-5581-FC61-6ACF-6D367BEF7FAA}"/>
+              </a:ext>
+            </a:extLst>
+          </p:cNvPr>
+          <p:cNvPicPr>
+            <a:picLocks noChangeAspect="1"/>
+          </p:cNvPicPr>
+          <p:nvPr/>
+        </p:nvPicPr>
+        <p:blipFill>
+          <a:blip r:embed="rId2">
+            <a:extLst>
+              <a:ext uri="{96DAC541-7B7A-43D3-8B79-37D633B846F1}">
+                <asvg:svgBlip xmlns:asvg="http://schemas.microsoft.com/office/drawing/2016/SVG/main" r:embed="rId3"/>
+              </a:ext>
+            </a:extLst>
+          </a:blip>
+          <a:stretch>
+            <a:fillRect/>
+          </a:stretch>
+        </p:blipFill>
+        <p:spPr>
+          <a:xfrm>
+            <a:off x="11545718" y="1387090"/>
+            <a:ext cx="452385" cy="452385"/>
+          </a:xfrm>
+          <a:prstGeom prst="rect">
+            <a:avLst/>
+          </a:prstGeom>
+        </p:spPr>
+      </p:pic>
+      <p:sp>
+        <p:nvSpPr>
+          <p:cNvPr id="61" name="Plus 60">
+            <a:extLst>
+              <a:ext uri="{FF2B5EF4-FFF2-40B4-BE49-F238E27FC236}">
+                <a16:creationId xmlns:a16="http://schemas.microsoft.com/office/drawing/2014/main" id="{8DF133A7-BF9E-CC02-679E-193EF6B1BED8}"/>
+              </a:ext>
+            </a:extLst>
+          </p:cNvPr>
+          <p:cNvSpPr/>
+          <p:nvPr/>
+        </p:nvSpPr>
+        <p:spPr>
+          <a:xfrm>
+            <a:off x="11266704" y="1505527"/>
+            <a:ext cx="244492" cy="241560"/>
+          </a:xfrm>
+          <a:prstGeom prst="mathPlus">
+            <a:avLst/>
+          </a:prstGeom>
+        </p:spPr>
+        <p:style>
+          <a:lnRef idx="2">
+            <a:schemeClr val="accent1">
+              <a:shade val="15000"/>
+            </a:schemeClr>
+          </a:lnRef>
+          <a:fillRef idx="1">
+            <a:schemeClr val="accent1"/>
+          </a:fillRef>
+          <a:effectRef idx="0">
+            <a:schemeClr val="accent1"/>
+          </a:effectRef>
+          <a:fontRef idx="minor">
+            <a:schemeClr val="lt1"/>
+          </a:fontRef>
+        </p:style>
+        <p:txBody>
+          <a:bodyPr rtlCol="0" anchor="ctr"/>
+          <a:lstStyle/>
+          <a:p>
+            <a:pPr algn="ctr"/>
+            <a:endParaRPr lang="en-US"/>
+          </a:p>
+        </p:txBody>
+      </p:sp>
+      <p:pic>
+        <p:nvPicPr>
+          <p:cNvPr id="63" name="Graphic 62" descr="Dollar with solid fill">
+            <a:extLst>
+              <a:ext uri="{FF2B5EF4-FFF2-40B4-BE49-F238E27FC236}">
+                <a16:creationId xmlns:a16="http://schemas.microsoft.com/office/drawing/2014/main" id="{5F193C7B-54FC-510C-58FE-4D7B29B56440}"/>
+              </a:ext>
+            </a:extLst>
+          </p:cNvPr>
+          <p:cNvPicPr>
+            <a:picLocks noChangeAspect="1"/>
+          </p:cNvPicPr>
+          <p:nvPr/>
+        </p:nvPicPr>
+        <p:blipFill>
+          <a:blip r:embed="rId4">
+            <a:extLst>
+              <a:ext uri="{96DAC541-7B7A-43D3-8B79-37D633B846F1}">
+                <asvg:svgBlip xmlns:asvg="http://schemas.microsoft.com/office/drawing/2016/SVG/main" r:embed="rId5"/>
+              </a:ext>
+            </a:extLst>
+          </a:blip>
+          <a:stretch>
+            <a:fillRect/>
+          </a:stretch>
+        </p:blipFill>
+        <p:spPr>
+          <a:xfrm>
+            <a:off x="11314879" y="2753612"/>
+            <a:ext cx="362368" cy="362368"/>
+          </a:xfrm>
+          <a:prstGeom prst="rect">
+            <a:avLst/>
+          </a:prstGeom>
+        </p:spPr>
+      </p:pic>
+      <p:cxnSp>
+        <p:nvCxnSpPr>
+          <p:cNvPr id="64" name="Straight Connector 63">
+            <a:extLst>
+              <a:ext uri="{FF2B5EF4-FFF2-40B4-BE49-F238E27FC236}">
+                <a16:creationId xmlns:a16="http://schemas.microsoft.com/office/drawing/2014/main" id="{A4CC4100-3B85-C531-E2A2-9606E8FDBDA6}"/>
+              </a:ext>
+            </a:extLst>
+          </p:cNvPr>
+          <p:cNvCxnSpPr>
+            <a:cxnSpLocks/>
+          </p:cNvCxnSpPr>
+          <p:nvPr/>
+        </p:nvCxnSpPr>
+        <p:spPr>
+          <a:xfrm>
+            <a:off x="10972704" y="1753284"/>
+            <a:ext cx="0" cy="1217361"/>
+          </a:xfrm>
+          <a:prstGeom prst="line">
+            <a:avLst/>
+          </a:prstGeom>
+        </p:spPr>
+        <p:style>
+          <a:lnRef idx="2">
+            <a:schemeClr val="accent2"/>
+          </a:lnRef>
+          <a:fillRef idx="0">
+            <a:schemeClr val="accent2"/>
+          </a:fillRef>
+          <a:effectRef idx="1">
+            <a:schemeClr val="accent2"/>
+          </a:effectRef>
+          <a:fontRef idx="minor">
+            <a:schemeClr val="tx1"/>
+          </a:fontRef>
+        </p:style>
+      </p:cxnSp>
+      <p:cxnSp>
+        <p:nvCxnSpPr>
+          <p:cNvPr id="65" name="Straight Connector 64">
+            <a:extLst>
+              <a:ext uri="{FF2B5EF4-FFF2-40B4-BE49-F238E27FC236}">
+                <a16:creationId xmlns:a16="http://schemas.microsoft.com/office/drawing/2014/main" id="{FD784327-6A84-DF24-4394-B998B42659B2}"/>
+              </a:ext>
+            </a:extLst>
+          </p:cNvPr>
+          <p:cNvCxnSpPr>
+            <a:cxnSpLocks/>
+          </p:cNvCxnSpPr>
+          <p:nvPr/>
+        </p:nvCxnSpPr>
+        <p:spPr>
+          <a:xfrm>
+            <a:off x="10963016" y="1741412"/>
+            <a:ext cx="375792" cy="0"/>
+          </a:xfrm>
+          <a:prstGeom prst="line">
+            <a:avLst/>
+          </a:prstGeom>
+        </p:spPr>
+        <p:style>
+          <a:lnRef idx="2">
+            <a:schemeClr val="accent2"/>
+          </a:lnRef>
+          <a:fillRef idx="0">
+            <a:schemeClr val="accent2"/>
+          </a:fillRef>
+          <a:effectRef idx="1">
+            <a:schemeClr val="accent2"/>
+          </a:effectRef>
+          <a:fontRef idx="minor">
+            <a:schemeClr val="tx1"/>
+          </a:fontRef>
+        </p:style>
+      </p:cxnSp>
+      <p:cxnSp>
+        <p:nvCxnSpPr>
+          <p:cNvPr id="66" name="Straight Connector 65">
+            <a:extLst>
+              <a:ext uri="{FF2B5EF4-FFF2-40B4-BE49-F238E27FC236}">
+                <a16:creationId xmlns:a16="http://schemas.microsoft.com/office/drawing/2014/main" id="{C868617B-F2B3-B55C-0B85-85E364DFF269}"/>
+              </a:ext>
+            </a:extLst>
+          </p:cNvPr>
+          <p:cNvCxnSpPr>
+            <a:cxnSpLocks/>
+          </p:cNvCxnSpPr>
+          <p:nvPr/>
+        </p:nvCxnSpPr>
+        <p:spPr>
+          <a:xfrm>
+            <a:off x="10972704" y="2970645"/>
+            <a:ext cx="391895" cy="11502"/>
+          </a:xfrm>
+          <a:prstGeom prst="line">
+            <a:avLst/>
+          </a:prstGeom>
+        </p:spPr>
+        <p:style>
+          <a:lnRef idx="2">
+            <a:schemeClr val="accent2"/>
+          </a:lnRef>
+          <a:fillRef idx="0">
+            <a:schemeClr val="accent2"/>
+          </a:fillRef>
+          <a:effectRef idx="1">
+            <a:schemeClr val="accent2"/>
+          </a:effectRef>
+          <a:fontRef idx="minor">
+            <a:schemeClr val="tx1"/>
+          </a:fontRef>
+        </p:style>
+      </p:cxnSp>
+      <p:pic>
+        <p:nvPicPr>
+          <p:cNvPr id="67" name="Graphic 66" descr="Coins with solid fill">
+            <a:extLst>
+              <a:ext uri="{FF2B5EF4-FFF2-40B4-BE49-F238E27FC236}">
+                <a16:creationId xmlns:a16="http://schemas.microsoft.com/office/drawing/2014/main" id="{1CF34221-0159-84F8-AA53-92601B704A6E}"/>
+              </a:ext>
+            </a:extLst>
+          </p:cNvPr>
+          <p:cNvPicPr>
+            <a:picLocks noChangeAspect="1"/>
+          </p:cNvPicPr>
+          <p:nvPr/>
+        </p:nvPicPr>
+        <p:blipFill>
+          <a:blip r:embed="rId2">
+            <a:extLst>
+              <a:ext uri="{96DAC541-7B7A-43D3-8B79-37D633B846F1}">
+                <asvg:svgBlip xmlns:asvg="http://schemas.microsoft.com/office/drawing/2016/SVG/main" r:embed="rId3"/>
+              </a:ext>
+            </a:extLst>
+          </a:blip>
+          <a:stretch>
+            <a:fillRect/>
+          </a:stretch>
+        </p:blipFill>
+        <p:spPr>
+          <a:xfrm>
+            <a:off x="11545718" y="3307676"/>
+            <a:ext cx="452385" cy="452385"/>
+          </a:xfrm>
+          <a:prstGeom prst="rect">
+            <a:avLst/>
+          </a:prstGeom>
+        </p:spPr>
+      </p:pic>
+      <p:sp>
+        <p:nvSpPr>
+          <p:cNvPr id="69" name="Minus 68">
+            <a:extLst>
+              <a:ext uri="{FF2B5EF4-FFF2-40B4-BE49-F238E27FC236}">
+                <a16:creationId xmlns:a16="http://schemas.microsoft.com/office/drawing/2014/main" id="{506B84DD-1BA6-B9D3-5CFC-7696299E2F7E}"/>
+              </a:ext>
+            </a:extLst>
+          </p:cNvPr>
+          <p:cNvSpPr/>
+          <p:nvPr/>
+        </p:nvSpPr>
+        <p:spPr>
+          <a:xfrm>
+            <a:off x="11282696" y="3422278"/>
+            <a:ext cx="250124" cy="210155"/>
+          </a:xfrm>
+          <a:prstGeom prst="mathMinus">
+            <a:avLst/>
+          </a:prstGeom>
+        </p:spPr>
+        <p:style>
+          <a:lnRef idx="2">
+            <a:schemeClr val="accent1">
+              <a:shade val="15000"/>
+            </a:schemeClr>
+          </a:lnRef>
+          <a:fillRef idx="1">
+            <a:schemeClr val="accent1"/>
+          </a:fillRef>
+          <a:effectRef idx="0">
+            <a:schemeClr val="accent1"/>
+          </a:effectRef>
+          <a:fontRef idx="minor">
+            <a:schemeClr val="lt1"/>
+          </a:fontRef>
+        </p:style>
+        <p:txBody>
+          <a:bodyPr rtlCol="0" anchor="ctr"/>
+          <a:lstStyle/>
+          <a:p>
+            <a:pPr algn="ctr"/>
+            <a:endParaRPr lang="en-US"/>
+          </a:p>
+        </p:txBody>
+      </p:sp>
+      <p:cxnSp>
+        <p:nvCxnSpPr>
+          <p:cNvPr id="70" name="Straight Connector 69">
+            <a:extLst>
+              <a:ext uri="{FF2B5EF4-FFF2-40B4-BE49-F238E27FC236}">
+                <a16:creationId xmlns:a16="http://schemas.microsoft.com/office/drawing/2014/main" id="{9C9DF9A2-4522-F4A9-D5A2-CB8A4DF40873}"/>
+              </a:ext>
+            </a:extLst>
+          </p:cNvPr>
+          <p:cNvCxnSpPr>
+            <a:cxnSpLocks/>
+          </p:cNvCxnSpPr>
+          <p:nvPr/>
+        </p:nvCxnSpPr>
+        <p:spPr>
+          <a:xfrm>
+            <a:off x="9308292" y="6037901"/>
+            <a:ext cx="1243407" cy="0"/>
+          </a:xfrm>
+          <a:prstGeom prst="line">
+            <a:avLst/>
+          </a:prstGeom>
+        </p:spPr>
+        <p:style>
+          <a:lnRef idx="2">
+            <a:schemeClr val="accent2"/>
+          </a:lnRef>
+          <a:fillRef idx="0">
+            <a:schemeClr val="accent2"/>
+          </a:fillRef>
+          <a:effectRef idx="1">
+            <a:schemeClr val="accent2"/>
+          </a:effectRef>
+          <a:fontRef idx="minor">
+            <a:schemeClr val="tx1"/>
+          </a:fontRef>
+        </p:style>
+      </p:cxnSp>
+      <p:sp>
+        <p:nvSpPr>
+          <p:cNvPr id="71" name="TextBox 70">
+            <a:extLst>
+              <a:ext uri="{FF2B5EF4-FFF2-40B4-BE49-F238E27FC236}">
+                <a16:creationId xmlns:a16="http://schemas.microsoft.com/office/drawing/2014/main" id="{5DF0B6D0-9903-44AC-F70B-4780F0F34F7A}"/>
+              </a:ext>
+            </a:extLst>
+          </p:cNvPr>
+          <p:cNvSpPr txBox="1"/>
+          <p:nvPr/>
+        </p:nvSpPr>
+        <p:spPr>
+          <a:xfrm>
+            <a:off x="9276661" y="5702712"/>
+            <a:ext cx="1116251" cy="369332"/>
+          </a:xfrm>
+          <a:prstGeom prst="rect">
+            <a:avLst/>
+          </a:prstGeom>
+          <a:noFill/>
+        </p:spPr>
+        <p:txBody>
+          <a:bodyPr wrap="square" rtlCol="0">
+            <a:spAutoFit/>
+          </a:bodyPr>
+          <a:lstStyle/>
+          <a:p>
+            <a:r>
+              <a:rPr lang="en-US" dirty="0"/>
+              <a:t>Reviewer</a:t>
+            </a:r>
+          </a:p>
+        </p:txBody>
+      </p:sp>
+      <p:cxnSp>
+        <p:nvCxnSpPr>
+          <p:cNvPr id="72" name="Straight Connector 71">
+            <a:extLst>
+              <a:ext uri="{FF2B5EF4-FFF2-40B4-BE49-F238E27FC236}">
+                <a16:creationId xmlns:a16="http://schemas.microsoft.com/office/drawing/2014/main" id="{6262F70A-5517-C05A-D83B-C38B94BBC4D2}"/>
+              </a:ext>
+            </a:extLst>
+          </p:cNvPr>
+          <p:cNvCxnSpPr>
+            <a:cxnSpLocks/>
+          </p:cNvCxnSpPr>
+          <p:nvPr/>
+        </p:nvCxnSpPr>
+        <p:spPr>
+          <a:xfrm>
+            <a:off x="10561387" y="5404779"/>
+            <a:ext cx="0" cy="1217361"/>
+          </a:xfrm>
+          <a:prstGeom prst="line">
+            <a:avLst/>
+          </a:prstGeom>
+        </p:spPr>
+        <p:style>
+          <a:lnRef idx="2">
+            <a:schemeClr val="accent2"/>
+          </a:lnRef>
+          <a:fillRef idx="0">
+            <a:schemeClr val="accent2"/>
+          </a:fillRef>
+          <a:effectRef idx="1">
+            <a:schemeClr val="accent2"/>
+          </a:effectRef>
+          <a:fontRef idx="minor">
+            <a:schemeClr val="tx1"/>
+          </a:fontRef>
+        </p:style>
+      </p:cxnSp>
+      <p:cxnSp>
+        <p:nvCxnSpPr>
+          <p:cNvPr id="73" name="Straight Connector 72">
+            <a:extLst>
+              <a:ext uri="{FF2B5EF4-FFF2-40B4-BE49-F238E27FC236}">
+                <a16:creationId xmlns:a16="http://schemas.microsoft.com/office/drawing/2014/main" id="{68857F4D-ED53-FAB4-78F7-7BEA8613F38D}"/>
+              </a:ext>
+            </a:extLst>
+          </p:cNvPr>
+          <p:cNvCxnSpPr>
+            <a:cxnSpLocks/>
+          </p:cNvCxnSpPr>
+          <p:nvPr/>
+        </p:nvCxnSpPr>
+        <p:spPr>
+          <a:xfrm>
+            <a:off x="10551699" y="5392907"/>
+            <a:ext cx="375792" cy="0"/>
+          </a:xfrm>
+          <a:prstGeom prst="line">
+            <a:avLst/>
+          </a:prstGeom>
+        </p:spPr>
+        <p:style>
+          <a:lnRef idx="2">
+            <a:schemeClr val="accent2"/>
+          </a:lnRef>
+          <a:fillRef idx="0">
+            <a:schemeClr val="accent2"/>
+          </a:fillRef>
+          <a:effectRef idx="1">
+            <a:schemeClr val="accent2"/>
+          </a:effectRef>
+          <a:fontRef idx="minor">
+            <a:schemeClr val="tx1"/>
+          </a:fontRef>
+        </p:style>
+      </p:cxnSp>
+      <p:cxnSp>
+        <p:nvCxnSpPr>
+          <p:cNvPr id="74" name="Straight Connector 73">
+            <a:extLst>
+              <a:ext uri="{FF2B5EF4-FFF2-40B4-BE49-F238E27FC236}">
+                <a16:creationId xmlns:a16="http://schemas.microsoft.com/office/drawing/2014/main" id="{CC919DE4-DE31-87F6-CF44-E61EC51902DC}"/>
+              </a:ext>
+            </a:extLst>
+          </p:cNvPr>
+          <p:cNvCxnSpPr>
+            <a:cxnSpLocks/>
+          </p:cNvCxnSpPr>
+          <p:nvPr/>
+        </p:nvCxnSpPr>
+        <p:spPr>
+          <a:xfrm>
+            <a:off x="10561387" y="6622140"/>
+            <a:ext cx="746180" cy="22640"/>
+          </a:xfrm>
+          <a:prstGeom prst="line">
+            <a:avLst/>
+          </a:prstGeom>
+        </p:spPr>
+        <p:style>
+          <a:lnRef idx="2">
+            <a:schemeClr val="accent2"/>
+          </a:lnRef>
+          <a:fillRef idx="0">
+            <a:schemeClr val="accent2"/>
+          </a:fillRef>
+          <a:effectRef idx="1">
+            <a:schemeClr val="accent2"/>
+          </a:effectRef>
+          <a:fontRef idx="minor">
+            <a:schemeClr val="tx1"/>
+          </a:fontRef>
+        </p:style>
+      </p:cxnSp>
+      <p:sp>
+        <p:nvSpPr>
+          <p:cNvPr id="75" name="Up Arrow 74">
+            <a:extLst>
+              <a:ext uri="{FF2B5EF4-FFF2-40B4-BE49-F238E27FC236}">
+                <a16:creationId xmlns:a16="http://schemas.microsoft.com/office/drawing/2014/main" id="{756F061B-D195-CC43-8904-27FF556CFD4F}"/>
+              </a:ext>
+            </a:extLst>
+          </p:cNvPr>
+          <p:cNvSpPr/>
+          <p:nvPr/>
+        </p:nvSpPr>
+        <p:spPr>
+          <a:xfrm>
+            <a:off x="10667244" y="5137238"/>
+            <a:ext cx="67879" cy="200465"/>
+          </a:xfrm>
+          <a:prstGeom prst="upArrow">
+            <a:avLst/>
+          </a:prstGeom>
+        </p:spPr>
+        <p:style>
+          <a:lnRef idx="2">
+            <a:schemeClr val="accent1">
+              <a:shade val="15000"/>
+            </a:schemeClr>
+          </a:lnRef>
+          <a:fillRef idx="1">
+            <a:schemeClr val="accent1"/>
+          </a:fillRef>
+          <a:effectRef idx="0">
+            <a:schemeClr val="accent1"/>
+          </a:effectRef>
+          <a:fontRef idx="minor">
+            <a:schemeClr val="lt1"/>
+          </a:fontRef>
+        </p:style>
+        <p:txBody>
+          <a:bodyPr rtlCol="0" anchor="ctr"/>
+          <a:lstStyle/>
+          <a:p>
+            <a:pPr algn="ctr"/>
+            <a:endParaRPr lang="en-US"/>
+          </a:p>
+        </p:txBody>
+      </p:sp>
+      <p:sp>
+        <p:nvSpPr>
+          <p:cNvPr id="76" name="Up Arrow 75">
+            <a:extLst>
+              <a:ext uri="{FF2B5EF4-FFF2-40B4-BE49-F238E27FC236}">
+                <a16:creationId xmlns:a16="http://schemas.microsoft.com/office/drawing/2014/main" id="{930AEBF5-D78D-652F-BFD0-44EE68C22969}"/>
+              </a:ext>
+            </a:extLst>
+          </p:cNvPr>
+          <p:cNvSpPr/>
+          <p:nvPr/>
+        </p:nvSpPr>
+        <p:spPr>
+          <a:xfrm rot="10800000">
+            <a:off x="10772946" y="5137237"/>
+            <a:ext cx="67879" cy="200465"/>
+          </a:xfrm>
+          <a:prstGeom prst="upArrow">
+            <a:avLst/>
+          </a:prstGeom>
+        </p:spPr>
+        <p:style>
+          <a:lnRef idx="2">
+            <a:schemeClr val="accent1">
+              <a:shade val="15000"/>
+            </a:schemeClr>
+          </a:lnRef>
+          <a:fillRef idx="1">
+            <a:schemeClr val="accent1"/>
+          </a:fillRef>
+          <a:effectRef idx="0">
+            <a:schemeClr val="accent1"/>
+          </a:effectRef>
+          <a:fontRef idx="minor">
+            <a:schemeClr val="lt1"/>
+          </a:fontRef>
+        </p:style>
+        <p:txBody>
+          <a:bodyPr rtlCol="0" anchor="ctr"/>
+          <a:lstStyle/>
+          <a:p>
+            <a:pPr algn="ctr"/>
+            <a:endParaRPr lang="en-US"/>
+          </a:p>
+        </p:txBody>
+      </p:sp>
+      <p:sp>
+        <p:nvSpPr>
+          <p:cNvPr id="77" name="Up Arrow 76">
+            <a:extLst>
+              <a:ext uri="{FF2B5EF4-FFF2-40B4-BE49-F238E27FC236}">
+                <a16:creationId xmlns:a16="http://schemas.microsoft.com/office/drawing/2014/main" id="{611FCBDC-28F4-C119-F7A1-FAB8D61CF1D5}"/>
+              </a:ext>
+            </a:extLst>
+          </p:cNvPr>
+          <p:cNvSpPr/>
+          <p:nvPr/>
+        </p:nvSpPr>
+        <p:spPr>
+          <a:xfrm>
+            <a:off x="10650829" y="6309551"/>
+            <a:ext cx="67879" cy="200465"/>
+          </a:xfrm>
+          <a:prstGeom prst="upArrow">
+            <a:avLst/>
+          </a:prstGeom>
+        </p:spPr>
+        <p:style>
+          <a:lnRef idx="2">
+            <a:schemeClr val="accent1">
+              <a:shade val="15000"/>
+            </a:schemeClr>
+          </a:lnRef>
+          <a:fillRef idx="1">
+            <a:schemeClr val="accent1"/>
+          </a:fillRef>
+          <a:effectRef idx="0">
+            <a:schemeClr val="accent1"/>
+          </a:effectRef>
+          <a:fontRef idx="minor">
+            <a:schemeClr val="lt1"/>
+          </a:fontRef>
+        </p:style>
+        <p:txBody>
+          <a:bodyPr rtlCol="0" anchor="ctr"/>
+          <a:lstStyle/>
+          <a:p>
+            <a:pPr algn="ctr"/>
+            <a:endParaRPr lang="en-US"/>
+          </a:p>
+        </p:txBody>
+      </p:sp>
+      <p:sp>
+        <p:nvSpPr>
+          <p:cNvPr id="78" name="Up Arrow 77">
+            <a:extLst>
+              <a:ext uri="{FF2B5EF4-FFF2-40B4-BE49-F238E27FC236}">
+                <a16:creationId xmlns:a16="http://schemas.microsoft.com/office/drawing/2014/main" id="{FED233C5-89F8-37F1-2862-9BB2E2A854E1}"/>
+              </a:ext>
+            </a:extLst>
+          </p:cNvPr>
+          <p:cNvSpPr/>
+          <p:nvPr/>
+        </p:nvSpPr>
+        <p:spPr>
+          <a:xfrm>
+            <a:off x="10756531" y="6309550"/>
+            <a:ext cx="67879" cy="200465"/>
+          </a:xfrm>
+          <a:prstGeom prst="upArrow">
+            <a:avLst/>
+          </a:prstGeom>
+        </p:spPr>
+        <p:style>
+          <a:lnRef idx="2">
+            <a:schemeClr val="accent1">
+              <a:shade val="15000"/>
+            </a:schemeClr>
+          </a:lnRef>
+          <a:fillRef idx="1">
+            <a:schemeClr val="accent1"/>
+          </a:fillRef>
+          <a:effectRef idx="0">
+            <a:schemeClr val="accent1"/>
+          </a:effectRef>
+          <a:fontRef idx="minor">
+            <a:schemeClr val="lt1"/>
+          </a:fontRef>
+        </p:style>
+        <p:txBody>
+          <a:bodyPr rtlCol="0" anchor="ctr"/>
+          <a:lstStyle/>
+          <a:p>
+            <a:pPr algn="ctr"/>
+            <a:endParaRPr lang="en-US"/>
+          </a:p>
+        </p:txBody>
+      </p:sp>
+      <p:pic>
+        <p:nvPicPr>
+          <p:cNvPr id="79" name="Graphic 78" descr="Coins with solid fill">
+            <a:extLst>
+              <a:ext uri="{FF2B5EF4-FFF2-40B4-BE49-F238E27FC236}">
+                <a16:creationId xmlns:a16="http://schemas.microsoft.com/office/drawing/2014/main" id="{63137568-002E-847B-FAB5-609DE3F266A1}"/>
+              </a:ext>
+            </a:extLst>
+          </p:cNvPr>
+          <p:cNvPicPr>
+            <a:picLocks noChangeAspect="1"/>
+          </p:cNvPicPr>
+          <p:nvPr/>
+        </p:nvPicPr>
+        <p:blipFill>
+          <a:blip r:embed="rId2">
+            <a:extLst>
+              <a:ext uri="{96DAC541-7B7A-43D3-8B79-37D633B846F1}">
+                <asvg:svgBlip xmlns:asvg="http://schemas.microsoft.com/office/drawing/2016/SVG/main" r:embed="rId3"/>
+              </a:ext>
+            </a:extLst>
+          </a:blip>
+          <a:stretch>
+            <a:fillRect/>
+          </a:stretch>
+        </p:blipFill>
+        <p:spPr>
+          <a:xfrm>
+            <a:off x="11514477" y="4424722"/>
+            <a:ext cx="452385" cy="452385"/>
+          </a:xfrm>
+          <a:prstGeom prst="rect">
+            <a:avLst/>
+          </a:prstGeom>
+        </p:spPr>
+      </p:pic>
+      <p:sp>
+        <p:nvSpPr>
+          <p:cNvPr id="80" name="Plus 79">
+            <a:extLst>
+              <a:ext uri="{FF2B5EF4-FFF2-40B4-BE49-F238E27FC236}">
+                <a16:creationId xmlns:a16="http://schemas.microsoft.com/office/drawing/2014/main" id="{7257CB87-1765-AC4E-3117-9764E3583FC9}"/>
+              </a:ext>
+            </a:extLst>
+          </p:cNvPr>
+          <p:cNvSpPr/>
+          <p:nvPr/>
+        </p:nvSpPr>
+        <p:spPr>
+          <a:xfrm>
+            <a:off x="11235463" y="4543159"/>
+            <a:ext cx="244492" cy="241560"/>
+          </a:xfrm>
+          <a:prstGeom prst="mathPlus">
+            <a:avLst/>
+          </a:prstGeom>
+        </p:spPr>
+        <p:style>
+          <a:lnRef idx="2">
+            <a:schemeClr val="accent1">
+              <a:shade val="15000"/>
+            </a:schemeClr>
+          </a:lnRef>
+          <a:fillRef idx="1">
+            <a:schemeClr val="accent1"/>
+          </a:fillRef>
+          <a:effectRef idx="0">
+            <a:schemeClr val="accent1"/>
+          </a:effectRef>
+          <a:fontRef idx="minor">
+            <a:schemeClr val="lt1"/>
+          </a:fontRef>
+        </p:style>
+        <p:txBody>
+          <a:bodyPr rtlCol="0" anchor="ctr"/>
+          <a:lstStyle/>
+          <a:p>
+            <a:pPr algn="ctr"/>
+            <a:endParaRPr lang="en-US"/>
+          </a:p>
+        </p:txBody>
+      </p:sp>
+      <p:pic>
+        <p:nvPicPr>
+          <p:cNvPr id="81" name="Graphic 80" descr="Dollar with solid fill">
+            <a:extLst>
+              <a:ext uri="{FF2B5EF4-FFF2-40B4-BE49-F238E27FC236}">
+                <a16:creationId xmlns:a16="http://schemas.microsoft.com/office/drawing/2014/main" id="{91A1EC7C-17C9-8D60-FEE5-AE64485021CB}"/>
+              </a:ext>
+            </a:extLst>
+          </p:cNvPr>
+          <p:cNvPicPr>
+            <a:picLocks noChangeAspect="1"/>
+          </p:cNvPicPr>
+          <p:nvPr/>
+        </p:nvPicPr>
+        <p:blipFill>
+          <a:blip r:embed="rId4">
+            <a:extLst>
+              <a:ext uri="{96DAC541-7B7A-43D3-8B79-37D633B846F1}">
+                <asvg:svgBlip xmlns:asvg="http://schemas.microsoft.com/office/drawing/2016/SVG/main" r:embed="rId5"/>
+              </a:ext>
+            </a:extLst>
+          </a:blip>
+          <a:stretch>
+            <a:fillRect/>
+          </a:stretch>
+        </p:blipFill>
+        <p:spPr>
+          <a:xfrm>
+            <a:off x="11283638" y="5791244"/>
+            <a:ext cx="362368" cy="362368"/>
+          </a:xfrm>
+          <a:prstGeom prst="rect">
+            <a:avLst/>
+          </a:prstGeom>
+        </p:spPr>
+      </p:pic>
+      <p:cxnSp>
+        <p:nvCxnSpPr>
+          <p:cNvPr id="82" name="Straight Connector 81">
+            <a:extLst>
+              <a:ext uri="{FF2B5EF4-FFF2-40B4-BE49-F238E27FC236}">
+                <a16:creationId xmlns:a16="http://schemas.microsoft.com/office/drawing/2014/main" id="{F2558FD4-D762-7DA5-5E51-B4C77218B42D}"/>
+              </a:ext>
+            </a:extLst>
+          </p:cNvPr>
+          <p:cNvCxnSpPr>
+            <a:cxnSpLocks/>
+          </p:cNvCxnSpPr>
+          <p:nvPr/>
+        </p:nvCxnSpPr>
+        <p:spPr>
+          <a:xfrm>
+            <a:off x="10941463" y="4790916"/>
+            <a:ext cx="0" cy="1217361"/>
+          </a:xfrm>
+          <a:prstGeom prst="line">
+            <a:avLst/>
+          </a:prstGeom>
+        </p:spPr>
+        <p:style>
+          <a:lnRef idx="2">
+            <a:schemeClr val="accent2"/>
+          </a:lnRef>
+          <a:fillRef idx="0">
+            <a:schemeClr val="accent2"/>
+          </a:fillRef>
+          <a:effectRef idx="1">
+            <a:schemeClr val="accent2"/>
+          </a:effectRef>
+          <a:fontRef idx="minor">
+            <a:schemeClr val="tx1"/>
+          </a:fontRef>
+        </p:style>
+      </p:cxnSp>
+      <p:cxnSp>
+        <p:nvCxnSpPr>
+          <p:cNvPr id="83" name="Straight Connector 82">
+            <a:extLst>
+              <a:ext uri="{FF2B5EF4-FFF2-40B4-BE49-F238E27FC236}">
+                <a16:creationId xmlns:a16="http://schemas.microsoft.com/office/drawing/2014/main" id="{AC93B4BC-1532-EC74-4B7D-D7CEB848F37E}"/>
+              </a:ext>
+            </a:extLst>
+          </p:cNvPr>
+          <p:cNvCxnSpPr>
+            <a:cxnSpLocks/>
+          </p:cNvCxnSpPr>
+          <p:nvPr/>
+        </p:nvCxnSpPr>
+        <p:spPr>
+          <a:xfrm>
+            <a:off x="10931775" y="4779044"/>
+            <a:ext cx="375792" cy="0"/>
+          </a:xfrm>
+          <a:prstGeom prst="line">
+            <a:avLst/>
+          </a:prstGeom>
+        </p:spPr>
+        <p:style>
+          <a:lnRef idx="2">
+            <a:schemeClr val="accent2"/>
+          </a:lnRef>
+          <a:fillRef idx="0">
+            <a:schemeClr val="accent2"/>
+          </a:fillRef>
+          <a:effectRef idx="1">
+            <a:schemeClr val="accent2"/>
+          </a:effectRef>
+          <a:fontRef idx="minor">
+            <a:schemeClr val="tx1"/>
+          </a:fontRef>
+        </p:style>
+      </p:cxnSp>
+      <p:cxnSp>
+        <p:nvCxnSpPr>
+          <p:cNvPr id="84" name="Straight Connector 83">
+            <a:extLst>
+              <a:ext uri="{FF2B5EF4-FFF2-40B4-BE49-F238E27FC236}">
+                <a16:creationId xmlns:a16="http://schemas.microsoft.com/office/drawing/2014/main" id="{DD0D1691-A270-060C-4A94-BFD16FE8F7CC}"/>
+              </a:ext>
+            </a:extLst>
+          </p:cNvPr>
+          <p:cNvCxnSpPr>
+            <a:cxnSpLocks/>
+          </p:cNvCxnSpPr>
+          <p:nvPr/>
+        </p:nvCxnSpPr>
+        <p:spPr>
+          <a:xfrm>
+            <a:off x="10941463" y="6008277"/>
+            <a:ext cx="391895" cy="11502"/>
+          </a:xfrm>
+          <a:prstGeom prst="line">
+            <a:avLst/>
+          </a:prstGeom>
+        </p:spPr>
+        <p:style>
+          <a:lnRef idx="2">
+            <a:schemeClr val="accent2"/>
+          </a:lnRef>
+          <a:fillRef idx="0">
+            <a:schemeClr val="accent2"/>
+          </a:fillRef>
+          <a:effectRef idx="1">
+            <a:schemeClr val="accent2"/>
+          </a:effectRef>
+          <a:fontRef idx="minor">
+            <a:schemeClr val="tx1"/>
+          </a:fontRef>
+        </p:style>
+      </p:cxnSp>
+      <p:pic>
+        <p:nvPicPr>
+          <p:cNvPr id="85" name="Graphic 84" descr="Coins with solid fill">
+            <a:extLst>
+              <a:ext uri="{FF2B5EF4-FFF2-40B4-BE49-F238E27FC236}">
+                <a16:creationId xmlns:a16="http://schemas.microsoft.com/office/drawing/2014/main" id="{864701DA-E800-79EA-C9CE-32B70145D2A6}"/>
+              </a:ext>
+            </a:extLst>
+          </p:cNvPr>
+          <p:cNvPicPr>
+            <a:picLocks noChangeAspect="1"/>
+          </p:cNvPicPr>
+          <p:nvPr/>
+        </p:nvPicPr>
+        <p:blipFill>
+          <a:blip r:embed="rId2">
+            <a:extLst>
+              <a:ext uri="{96DAC541-7B7A-43D3-8B79-37D633B846F1}">
+                <asvg:svgBlip xmlns:asvg="http://schemas.microsoft.com/office/drawing/2016/SVG/main" r:embed="rId3"/>
+              </a:ext>
+            </a:extLst>
+          </a:blip>
+          <a:stretch>
+            <a:fillRect/>
+          </a:stretch>
+        </p:blipFill>
+        <p:spPr>
+          <a:xfrm>
+            <a:off x="11514477" y="6345308"/>
+            <a:ext cx="452385" cy="452385"/>
+          </a:xfrm>
+          <a:prstGeom prst="rect">
+            <a:avLst/>
+          </a:prstGeom>
+        </p:spPr>
+      </p:pic>
+      <p:sp>
+        <p:nvSpPr>
+          <p:cNvPr id="86" name="Minus 85">
+            <a:extLst>
+              <a:ext uri="{FF2B5EF4-FFF2-40B4-BE49-F238E27FC236}">
+                <a16:creationId xmlns:a16="http://schemas.microsoft.com/office/drawing/2014/main" id="{58048AC9-106E-87E6-0D1B-231D83BFE6B4}"/>
+              </a:ext>
+            </a:extLst>
+          </p:cNvPr>
+          <p:cNvSpPr/>
+          <p:nvPr/>
+        </p:nvSpPr>
+        <p:spPr>
+          <a:xfrm>
+            <a:off x="11251455" y="6459910"/>
+            <a:ext cx="250124" cy="210155"/>
+          </a:xfrm>
+          <a:prstGeom prst="mathMinus">
+            <a:avLst/>
+          </a:prstGeom>
+        </p:spPr>
+        <p:style>
+          <a:lnRef idx="2">
+            <a:schemeClr val="accent1">
+              <a:shade val="15000"/>
+            </a:schemeClr>
+          </a:lnRef>
+          <a:fillRef idx="1">
+            <a:schemeClr val="accent1"/>
+          </a:fillRef>
+          <a:effectRef idx="0">
+            <a:schemeClr val="accent1"/>
+          </a:effectRef>
+          <a:fontRef idx="minor">
+            <a:schemeClr val="lt1"/>
+          </a:fontRef>
+        </p:style>
+        <p:txBody>
+          <a:bodyPr rtlCol="0" anchor="ctr"/>
+          <a:lstStyle/>
+          <a:p>
+            <a:pPr algn="ctr"/>
+            <a:endParaRPr lang="en-US"/>
+          </a:p>
+        </p:txBody>
+      </p:sp>
+      <p:sp>
+        <p:nvSpPr>
+          <p:cNvPr id="90" name="TextBox 89">
+            <a:extLst>
+              <a:ext uri="{FF2B5EF4-FFF2-40B4-BE49-F238E27FC236}">
+                <a16:creationId xmlns:a16="http://schemas.microsoft.com/office/drawing/2014/main" id="{6A0587B2-81BB-CC4B-94D7-10E2852A26C2}"/>
+              </a:ext>
+            </a:extLst>
+          </p:cNvPr>
+          <p:cNvSpPr txBox="1"/>
+          <p:nvPr/>
+        </p:nvSpPr>
+        <p:spPr>
+          <a:xfrm>
+            <a:off x="9293486" y="4454914"/>
+            <a:ext cx="2070333" cy="369332"/>
+          </a:xfrm>
+          <a:prstGeom prst="rect">
+            <a:avLst/>
+          </a:prstGeom>
+          <a:noFill/>
+        </p:spPr>
+        <p:txBody>
+          <a:bodyPr wrap="square" rtlCol="0">
+            <a:spAutoFit/>
+          </a:bodyPr>
+          <a:lstStyle/>
+          <a:p>
+            <a:r>
+              <a:rPr lang="en-US" dirty="0"/>
+              <a:t>Publisher</a:t>
+            </a:r>
+          </a:p>
+        </p:txBody>
+      </p:sp>
+      <p:cxnSp>
+        <p:nvCxnSpPr>
+          <p:cNvPr id="92" name="Straight Connector 91">
+            <a:extLst>
+              <a:ext uri="{FF2B5EF4-FFF2-40B4-BE49-F238E27FC236}">
+                <a16:creationId xmlns:a16="http://schemas.microsoft.com/office/drawing/2014/main" id="{E82812DE-2BD1-E248-14C6-C3BFDC5B41F8}"/>
+              </a:ext>
+            </a:extLst>
+          </p:cNvPr>
+          <p:cNvCxnSpPr>
+            <a:cxnSpLocks/>
+          </p:cNvCxnSpPr>
+          <p:nvPr/>
+        </p:nvCxnSpPr>
+        <p:spPr>
+          <a:xfrm>
+            <a:off x="9359610" y="4639580"/>
+            <a:ext cx="950352" cy="0"/>
+          </a:xfrm>
+          <a:prstGeom prst="line">
+            <a:avLst/>
+          </a:prstGeom>
+        </p:spPr>
+        <p:style>
+          <a:lnRef idx="2">
+            <a:schemeClr val="dk1"/>
+          </a:lnRef>
+          <a:fillRef idx="0">
+            <a:schemeClr val="dk1"/>
+          </a:fillRef>
+          <a:effectRef idx="1">
+            <a:schemeClr val="dk1"/>
+          </a:effectRef>
+          <a:fontRef idx="minor">
+            <a:schemeClr val="tx1"/>
+          </a:fontRef>
+        </p:style>
+      </p:cxnSp>
+      <p:cxnSp>
+        <p:nvCxnSpPr>
+          <p:cNvPr id="95" name="Straight Connector 94">
+            <a:extLst>
+              <a:ext uri="{FF2B5EF4-FFF2-40B4-BE49-F238E27FC236}">
+                <a16:creationId xmlns:a16="http://schemas.microsoft.com/office/drawing/2014/main" id="{17B157B3-F76A-B6B7-5E3A-A67515772B56}"/>
+              </a:ext>
+            </a:extLst>
+          </p:cNvPr>
+          <p:cNvCxnSpPr>
+            <a:cxnSpLocks/>
+          </p:cNvCxnSpPr>
+          <p:nvPr/>
+        </p:nvCxnSpPr>
+        <p:spPr>
+          <a:xfrm>
+            <a:off x="1231813" y="2692428"/>
+            <a:ext cx="0" cy="1144781"/>
+          </a:xfrm>
+          <a:prstGeom prst="line">
+            <a:avLst/>
+          </a:prstGeom>
+        </p:spPr>
+        <p:style>
+          <a:lnRef idx="2">
+            <a:schemeClr val="accent1"/>
+          </a:lnRef>
+          <a:fillRef idx="0">
+            <a:schemeClr val="accent1"/>
+          </a:fillRef>
+          <a:effectRef idx="1">
+            <a:schemeClr val="accent1"/>
+          </a:effectRef>
+          <a:fontRef idx="minor">
+            <a:schemeClr val="tx1"/>
+          </a:fontRef>
+        </p:style>
+      </p:cxnSp>
+      <p:sp>
+        <p:nvSpPr>
+          <p:cNvPr id="97" name="TextBox 96">
+            <a:extLst>
+              <a:ext uri="{FF2B5EF4-FFF2-40B4-BE49-F238E27FC236}">
+                <a16:creationId xmlns:a16="http://schemas.microsoft.com/office/drawing/2014/main" id="{93E05031-C69B-DFF5-FC66-238C162753BB}"/>
+              </a:ext>
+            </a:extLst>
+          </p:cNvPr>
+          <p:cNvSpPr txBox="1"/>
+          <p:nvPr/>
+        </p:nvSpPr>
+        <p:spPr>
+          <a:xfrm>
+            <a:off x="1204174" y="3018590"/>
+            <a:ext cx="1923988" cy="646331"/>
+          </a:xfrm>
+          <a:prstGeom prst="rect">
+            <a:avLst/>
+          </a:prstGeom>
+          <a:noFill/>
+        </p:spPr>
+        <p:txBody>
+          <a:bodyPr wrap="none" rtlCol="0">
+            <a:spAutoFit/>
+          </a:bodyPr>
+          <a:lstStyle/>
+          <a:p>
+            <a:r>
+              <a:rPr lang="en-US" i="1" dirty="0"/>
+              <a:t>Pay gas fee</a:t>
+            </a:r>
+            <a:br>
+              <a:rPr lang="en-US" i="1" dirty="0"/>
+            </a:br>
+            <a:r>
+              <a:rPr lang="en-US" i="1" dirty="0"/>
+              <a:t>         platform fees</a:t>
+            </a:r>
+          </a:p>
+        </p:txBody>
+      </p:sp>
+      <p:sp>
+        <p:nvSpPr>
+          <p:cNvPr id="99" name="TextBox 98">
+            <a:extLst>
+              <a:ext uri="{FF2B5EF4-FFF2-40B4-BE49-F238E27FC236}">
+                <a16:creationId xmlns:a16="http://schemas.microsoft.com/office/drawing/2014/main" id="{7F8E8FB1-2437-75D7-3166-B365F85A207A}"/>
+              </a:ext>
+            </a:extLst>
+          </p:cNvPr>
+          <p:cNvSpPr txBox="1"/>
+          <p:nvPr/>
+        </p:nvSpPr>
+        <p:spPr>
+          <a:xfrm>
+            <a:off x="560192" y="3808605"/>
+            <a:ext cx="2533373" cy="646331"/>
+          </a:xfrm>
+          <a:prstGeom prst="rect">
+            <a:avLst/>
+          </a:prstGeom>
+          <a:noFill/>
+        </p:spPr>
+        <p:txBody>
+          <a:bodyPr wrap="square" rtlCol="0">
+            <a:spAutoFit/>
+          </a:bodyPr>
+          <a:lstStyle/>
+          <a:p>
+            <a:r>
+              <a:rPr lang="en-US" dirty="0"/>
+              <a:t>Receive the publisher´s right</a:t>
+            </a:r>
+          </a:p>
+        </p:txBody>
+      </p:sp>
+      <p:cxnSp>
+        <p:nvCxnSpPr>
+          <p:cNvPr id="100" name="Straight Arrow Connector 99">
+            <a:extLst>
+              <a:ext uri="{FF2B5EF4-FFF2-40B4-BE49-F238E27FC236}">
+                <a16:creationId xmlns:a16="http://schemas.microsoft.com/office/drawing/2014/main" id="{6319E339-FCF2-41D5-7B1E-A1DDD6D02690}"/>
+              </a:ext>
+            </a:extLst>
+          </p:cNvPr>
+          <p:cNvCxnSpPr>
+            <a:cxnSpLocks/>
+          </p:cNvCxnSpPr>
+          <p:nvPr/>
+        </p:nvCxnSpPr>
+        <p:spPr>
+          <a:xfrm>
+            <a:off x="6843453" y="2541282"/>
+            <a:ext cx="1153672" cy="0"/>
+          </a:xfrm>
+          <a:prstGeom prst="straightConnector1">
+            <a:avLst/>
+          </a:prstGeom>
+          <a:ln>
+            <a:tailEnd type="triangle"/>
+          </a:ln>
+        </p:spPr>
+        <p:style>
+          <a:lnRef idx="2">
+            <a:schemeClr val="accent1"/>
+          </a:lnRef>
+          <a:fillRef idx="0">
+            <a:schemeClr val="accent1"/>
+          </a:fillRef>
+          <a:effectRef idx="1">
+            <a:schemeClr val="accent1"/>
+          </a:effectRef>
+          <a:fontRef idx="minor">
+            <a:schemeClr val="tx1"/>
+          </a:fontRef>
+        </p:style>
+      </p:cxnSp>
+      <p:sp>
+        <p:nvSpPr>
+          <p:cNvPr id="102" name="TextBox 101">
+            <a:extLst>
+              <a:ext uri="{FF2B5EF4-FFF2-40B4-BE49-F238E27FC236}">
+                <a16:creationId xmlns:a16="http://schemas.microsoft.com/office/drawing/2014/main" id="{ED2045A5-1988-4AAE-7B87-B149B2DDA0B4}"/>
+              </a:ext>
+            </a:extLst>
+          </p:cNvPr>
+          <p:cNvSpPr txBox="1"/>
+          <p:nvPr/>
+        </p:nvSpPr>
+        <p:spPr>
+          <a:xfrm>
+            <a:off x="7997125" y="2335220"/>
+            <a:ext cx="2980791" cy="369332"/>
+          </a:xfrm>
+          <a:prstGeom prst="rect">
+            <a:avLst/>
+          </a:prstGeom>
+          <a:noFill/>
+        </p:spPr>
+        <p:txBody>
+          <a:bodyPr wrap="square" rtlCol="0">
+            <a:spAutoFit/>
+          </a:bodyPr>
+          <a:lstStyle/>
+          <a:p>
+            <a:r>
+              <a:rPr lang="en-US" dirty="0"/>
+              <a:t>Paper´s published</a:t>
+            </a:r>
+          </a:p>
+        </p:txBody>
+      </p:sp>
+      <p:sp>
+        <p:nvSpPr>
+          <p:cNvPr id="103" name="Up Arrow 102">
+            <a:extLst>
+              <a:ext uri="{FF2B5EF4-FFF2-40B4-BE49-F238E27FC236}">
+                <a16:creationId xmlns:a16="http://schemas.microsoft.com/office/drawing/2014/main" id="{E8C77050-B361-908A-12DC-43B27BE8A6BD}"/>
+              </a:ext>
+            </a:extLst>
+          </p:cNvPr>
+          <p:cNvSpPr/>
+          <p:nvPr/>
+        </p:nvSpPr>
+        <p:spPr>
+          <a:xfrm>
+            <a:off x="8514037" y="2765351"/>
+            <a:ext cx="91440" cy="637203"/>
+          </a:xfrm>
+          <a:prstGeom prst="upArrow">
+            <a:avLst/>
+          </a:prstGeom>
+        </p:spPr>
+        <p:style>
+          <a:lnRef idx="2">
+            <a:schemeClr val="accent6">
+              <a:shade val="15000"/>
+            </a:schemeClr>
+          </a:lnRef>
+          <a:fillRef idx="1">
+            <a:schemeClr val="accent6"/>
+          </a:fillRef>
+          <a:effectRef idx="0">
+            <a:schemeClr val="accent6"/>
+          </a:effectRef>
+          <a:fontRef idx="minor">
+            <a:schemeClr val="lt1"/>
+          </a:fontRef>
+        </p:style>
+        <p:txBody>
+          <a:bodyPr rtlCol="0" anchor="ctr"/>
+          <a:lstStyle/>
+          <a:p>
+            <a:pPr algn="ctr"/>
+            <a:endParaRPr lang="en-US"/>
+          </a:p>
+        </p:txBody>
+      </p:sp>
+      <p:pic>
+        <p:nvPicPr>
+          <p:cNvPr id="104" name="Graphic 103" descr="Coins with solid fill">
+            <a:extLst>
+              <a:ext uri="{FF2B5EF4-FFF2-40B4-BE49-F238E27FC236}">
+                <a16:creationId xmlns:a16="http://schemas.microsoft.com/office/drawing/2014/main" id="{41641206-BBEE-DB13-CA94-9B653BB40775}"/>
+              </a:ext>
+            </a:extLst>
+          </p:cNvPr>
+          <p:cNvPicPr>
+            <a:picLocks noChangeAspect="1"/>
+          </p:cNvPicPr>
+          <p:nvPr/>
+        </p:nvPicPr>
+        <p:blipFill>
+          <a:blip r:embed="rId2">
+            <a:extLst>
+              <a:ext uri="{96DAC541-7B7A-43D3-8B79-37D633B846F1}">
+                <asvg:svgBlip xmlns:asvg="http://schemas.microsoft.com/office/drawing/2016/SVG/main" r:embed="rId3"/>
+              </a:ext>
+            </a:extLst>
+          </a:blip>
+          <a:stretch>
+            <a:fillRect/>
+          </a:stretch>
+        </p:blipFill>
+        <p:spPr>
+          <a:xfrm>
+            <a:off x="1971283" y="5811708"/>
+            <a:ext cx="452385" cy="452385"/>
+          </a:xfrm>
+          <a:prstGeom prst="rect">
+            <a:avLst/>
+          </a:prstGeom>
+        </p:spPr>
+      </p:pic>
+      <p:sp>
+        <p:nvSpPr>
+          <p:cNvPr id="105" name="TextBox 104">
+            <a:extLst>
+              <a:ext uri="{FF2B5EF4-FFF2-40B4-BE49-F238E27FC236}">
+                <a16:creationId xmlns:a16="http://schemas.microsoft.com/office/drawing/2014/main" id="{BB7894F7-EABB-8B77-5D69-22AA892E0B09}"/>
+              </a:ext>
+            </a:extLst>
+          </p:cNvPr>
+          <p:cNvSpPr txBox="1"/>
+          <p:nvPr/>
+        </p:nvSpPr>
+        <p:spPr>
+          <a:xfrm>
+            <a:off x="2630008" y="5853234"/>
+            <a:ext cx="1517072" cy="369332"/>
+          </a:xfrm>
+          <a:prstGeom prst="rect">
+            <a:avLst/>
+          </a:prstGeom>
+          <a:noFill/>
+        </p:spPr>
+        <p:txBody>
+          <a:bodyPr wrap="square" rtlCol="0">
+            <a:spAutoFit/>
+          </a:bodyPr>
+          <a:lstStyle/>
+          <a:p>
+            <a:r>
+              <a:rPr lang="en-US" dirty="0"/>
+              <a:t>Credit token</a:t>
+            </a:r>
+          </a:p>
+        </p:txBody>
+      </p:sp>
+      <p:pic>
+        <p:nvPicPr>
+          <p:cNvPr id="106" name="Graphic 105" descr="Dollar with solid fill">
+            <a:extLst>
+              <a:ext uri="{FF2B5EF4-FFF2-40B4-BE49-F238E27FC236}">
+                <a16:creationId xmlns:a16="http://schemas.microsoft.com/office/drawing/2014/main" id="{2E8584A1-A668-AD24-8E3B-5D20E40857DF}"/>
+              </a:ext>
+            </a:extLst>
+          </p:cNvPr>
+          <p:cNvPicPr>
+            <a:picLocks noChangeAspect="1"/>
+          </p:cNvPicPr>
+          <p:nvPr/>
+        </p:nvPicPr>
+        <p:blipFill>
+          <a:blip r:embed="rId4">
+            <a:extLst>
+              <a:ext uri="{96DAC541-7B7A-43D3-8B79-37D633B846F1}">
+                <asvg:svgBlip xmlns:asvg="http://schemas.microsoft.com/office/drawing/2016/SVG/main" r:embed="rId5"/>
+              </a:ext>
+            </a:extLst>
+          </a:blip>
+          <a:stretch>
+            <a:fillRect/>
+          </a:stretch>
+        </p:blipFill>
+        <p:spPr>
+          <a:xfrm>
+            <a:off x="1920734" y="5372146"/>
+            <a:ext cx="362368" cy="362368"/>
+          </a:xfrm>
+          <a:prstGeom prst="rect">
+            <a:avLst/>
+          </a:prstGeom>
+        </p:spPr>
+      </p:pic>
+      <p:sp>
+        <p:nvSpPr>
+          <p:cNvPr id="107" name="TextBox 106">
+            <a:extLst>
+              <a:ext uri="{FF2B5EF4-FFF2-40B4-BE49-F238E27FC236}">
+                <a16:creationId xmlns:a16="http://schemas.microsoft.com/office/drawing/2014/main" id="{02F6AEFA-9B85-796F-15E1-849475CD4EB4}"/>
+              </a:ext>
+            </a:extLst>
+          </p:cNvPr>
+          <p:cNvSpPr txBox="1"/>
+          <p:nvPr/>
+        </p:nvSpPr>
+        <p:spPr>
+          <a:xfrm>
+            <a:off x="2599516" y="5403486"/>
+            <a:ext cx="1517072" cy="369332"/>
+          </a:xfrm>
+          <a:prstGeom prst="rect">
+            <a:avLst/>
+          </a:prstGeom>
+          <a:noFill/>
+        </p:spPr>
+        <p:txBody>
+          <a:bodyPr wrap="square" rtlCol="0">
+            <a:spAutoFit/>
+          </a:bodyPr>
+          <a:lstStyle/>
+          <a:p>
+            <a:r>
+              <a:rPr lang="en-US" dirty="0"/>
+              <a:t>Incentives</a:t>
+            </a:r>
+          </a:p>
+        </p:txBody>
+      </p:sp>
+      <p:sp>
+        <p:nvSpPr>
+          <p:cNvPr id="108" name="Up Arrow 107">
+            <a:extLst>
+              <a:ext uri="{FF2B5EF4-FFF2-40B4-BE49-F238E27FC236}">
+                <a16:creationId xmlns:a16="http://schemas.microsoft.com/office/drawing/2014/main" id="{E843D816-A975-14E8-0014-374E79DC9521}"/>
+              </a:ext>
+            </a:extLst>
+          </p:cNvPr>
+          <p:cNvSpPr/>
+          <p:nvPr/>
+        </p:nvSpPr>
+        <p:spPr>
+          <a:xfrm>
+            <a:off x="4338770" y="5440371"/>
+            <a:ext cx="67879" cy="200465"/>
+          </a:xfrm>
+          <a:prstGeom prst="upArrow">
+            <a:avLst/>
+          </a:prstGeom>
+        </p:spPr>
+        <p:style>
+          <a:lnRef idx="2">
+            <a:schemeClr val="accent1">
+              <a:shade val="15000"/>
+            </a:schemeClr>
+          </a:lnRef>
+          <a:fillRef idx="1">
+            <a:schemeClr val="accent1"/>
+          </a:fillRef>
+          <a:effectRef idx="0">
+            <a:schemeClr val="accent1"/>
+          </a:effectRef>
+          <a:fontRef idx="minor">
+            <a:schemeClr val="lt1"/>
+          </a:fontRef>
+        </p:style>
+        <p:txBody>
+          <a:bodyPr rtlCol="0" anchor="ctr"/>
+          <a:lstStyle/>
+          <a:p>
+            <a:pPr algn="ctr"/>
+            <a:endParaRPr lang="en-US"/>
+          </a:p>
+        </p:txBody>
+      </p:sp>
+      <p:sp>
+        <p:nvSpPr>
+          <p:cNvPr id="109" name="Up Arrow 108">
+            <a:extLst>
+              <a:ext uri="{FF2B5EF4-FFF2-40B4-BE49-F238E27FC236}">
+                <a16:creationId xmlns:a16="http://schemas.microsoft.com/office/drawing/2014/main" id="{B2963022-8B40-28F2-93A2-5AD865BCE3D3}"/>
+              </a:ext>
+            </a:extLst>
+          </p:cNvPr>
+          <p:cNvSpPr/>
+          <p:nvPr/>
+        </p:nvSpPr>
+        <p:spPr>
+          <a:xfrm>
+            <a:off x="4444472" y="5440370"/>
+            <a:ext cx="67879" cy="200465"/>
+          </a:xfrm>
+          <a:prstGeom prst="upArrow">
+            <a:avLst/>
+          </a:prstGeom>
+        </p:spPr>
+        <p:style>
+          <a:lnRef idx="2">
+            <a:schemeClr val="accent1">
+              <a:shade val="15000"/>
+            </a:schemeClr>
+          </a:lnRef>
+          <a:fillRef idx="1">
+            <a:schemeClr val="accent1"/>
+          </a:fillRef>
+          <a:effectRef idx="0">
+            <a:schemeClr val="accent1"/>
+          </a:effectRef>
+          <a:fontRef idx="minor">
+            <a:schemeClr val="lt1"/>
+          </a:fontRef>
+        </p:style>
+        <p:txBody>
+          <a:bodyPr rtlCol="0" anchor="ctr"/>
+          <a:lstStyle/>
+          <a:p>
+            <a:pPr algn="ctr"/>
+            <a:endParaRPr lang="en-US"/>
+          </a:p>
+        </p:txBody>
+      </p:sp>
+      <p:sp>
+        <p:nvSpPr>
+          <p:cNvPr id="110" name="Up Arrow 109">
+            <a:extLst>
+              <a:ext uri="{FF2B5EF4-FFF2-40B4-BE49-F238E27FC236}">
+                <a16:creationId xmlns:a16="http://schemas.microsoft.com/office/drawing/2014/main" id="{F15B0D29-6255-D024-7491-DB88E2C177F3}"/>
+              </a:ext>
+            </a:extLst>
+          </p:cNvPr>
+          <p:cNvSpPr/>
+          <p:nvPr/>
+        </p:nvSpPr>
+        <p:spPr>
+          <a:xfrm>
+            <a:off x="4338770" y="5908044"/>
+            <a:ext cx="67879" cy="200465"/>
+          </a:xfrm>
+          <a:prstGeom prst="upArrow">
+            <a:avLst/>
+          </a:prstGeom>
+        </p:spPr>
+        <p:style>
+          <a:lnRef idx="2">
+            <a:schemeClr val="accent1">
+              <a:shade val="15000"/>
+            </a:schemeClr>
+          </a:lnRef>
+          <a:fillRef idx="1">
+            <a:schemeClr val="accent1"/>
+          </a:fillRef>
+          <a:effectRef idx="0">
+            <a:schemeClr val="accent1"/>
+          </a:effectRef>
+          <a:fontRef idx="minor">
+            <a:schemeClr val="lt1"/>
+          </a:fontRef>
+        </p:style>
+        <p:txBody>
+          <a:bodyPr rtlCol="0" anchor="ctr"/>
+          <a:lstStyle/>
+          <a:p>
+            <a:pPr algn="ctr"/>
+            <a:endParaRPr lang="en-US" dirty="0"/>
+          </a:p>
+        </p:txBody>
+      </p:sp>
+      <p:sp>
+        <p:nvSpPr>
+          <p:cNvPr id="111" name="Up Arrow 110">
+            <a:extLst>
+              <a:ext uri="{FF2B5EF4-FFF2-40B4-BE49-F238E27FC236}">
+                <a16:creationId xmlns:a16="http://schemas.microsoft.com/office/drawing/2014/main" id="{34A8C2F9-DE55-C097-F529-8AD6DF05DCAE}"/>
+              </a:ext>
+            </a:extLst>
+          </p:cNvPr>
+          <p:cNvSpPr/>
+          <p:nvPr/>
+        </p:nvSpPr>
+        <p:spPr>
+          <a:xfrm rot="10800000">
+            <a:off x="4444472" y="5908043"/>
+            <a:ext cx="67879" cy="200465"/>
+          </a:xfrm>
+          <a:prstGeom prst="upArrow">
+            <a:avLst/>
+          </a:prstGeom>
+        </p:spPr>
+        <p:style>
+          <a:lnRef idx="2">
+            <a:schemeClr val="accent1">
+              <a:shade val="15000"/>
+            </a:schemeClr>
+          </a:lnRef>
+          <a:fillRef idx="1">
+            <a:schemeClr val="accent1"/>
+          </a:fillRef>
+          <a:effectRef idx="0">
+            <a:schemeClr val="accent1"/>
+          </a:effectRef>
+          <a:fontRef idx="minor">
+            <a:schemeClr val="lt1"/>
+          </a:fontRef>
+        </p:style>
+        <p:txBody>
+          <a:bodyPr rtlCol="0" anchor="ctr"/>
+          <a:lstStyle/>
+          <a:p>
+            <a:pPr algn="ctr"/>
+            <a:endParaRPr lang="en-US"/>
+          </a:p>
+        </p:txBody>
+      </p:sp>
+      <p:sp>
+        <p:nvSpPr>
+          <p:cNvPr id="112" name="TextBox 111">
+            <a:extLst>
+              <a:ext uri="{FF2B5EF4-FFF2-40B4-BE49-F238E27FC236}">
+                <a16:creationId xmlns:a16="http://schemas.microsoft.com/office/drawing/2014/main" id="{B048A112-D9BC-0B5E-BCA2-A4DF1483AFEF}"/>
+              </a:ext>
+            </a:extLst>
+          </p:cNvPr>
+          <p:cNvSpPr txBox="1"/>
+          <p:nvPr/>
+        </p:nvSpPr>
+        <p:spPr>
+          <a:xfrm>
+            <a:off x="4539330" y="5853234"/>
+            <a:ext cx="1517072" cy="369332"/>
+          </a:xfrm>
+          <a:prstGeom prst="rect">
+            <a:avLst/>
+          </a:prstGeom>
+          <a:noFill/>
+        </p:spPr>
+        <p:txBody>
+          <a:bodyPr wrap="square" rtlCol="0">
+            <a:spAutoFit/>
+          </a:bodyPr>
+          <a:lstStyle/>
+          <a:p>
+            <a:r>
+              <a:rPr lang="en-US" dirty="0"/>
+              <a:t>Vote no</a:t>
+            </a:r>
+          </a:p>
+        </p:txBody>
+      </p:sp>
+      <p:sp>
+        <p:nvSpPr>
+          <p:cNvPr id="113" name="TextBox 112">
+            <a:extLst>
+              <a:ext uri="{FF2B5EF4-FFF2-40B4-BE49-F238E27FC236}">
+                <a16:creationId xmlns:a16="http://schemas.microsoft.com/office/drawing/2014/main" id="{72E9BCBF-5BE9-9D91-DD0D-203C72D92A23}"/>
+              </a:ext>
+            </a:extLst>
+          </p:cNvPr>
+          <p:cNvSpPr txBox="1"/>
+          <p:nvPr/>
+        </p:nvSpPr>
+        <p:spPr>
+          <a:xfrm>
+            <a:off x="4530506" y="5385370"/>
+            <a:ext cx="1517072" cy="369332"/>
+          </a:xfrm>
+          <a:prstGeom prst="rect">
+            <a:avLst/>
+          </a:prstGeom>
+          <a:noFill/>
+        </p:spPr>
+        <p:txBody>
+          <a:bodyPr wrap="square" rtlCol="0">
+            <a:spAutoFit/>
+          </a:bodyPr>
+          <a:lstStyle/>
+          <a:p>
+            <a:r>
+              <a:rPr lang="en-US" dirty="0"/>
+              <a:t>Vote yes</a:t>
+            </a:r>
+          </a:p>
+        </p:txBody>
+      </p:sp>
+      <p:pic>
+        <p:nvPicPr>
+          <p:cNvPr id="115" name="Graphic 114" descr="Coins with solid fill">
+            <a:extLst>
+              <a:ext uri="{FF2B5EF4-FFF2-40B4-BE49-F238E27FC236}">
+                <a16:creationId xmlns:a16="http://schemas.microsoft.com/office/drawing/2014/main" id="{4F2D53FD-7079-EBD9-955F-14DB8ACCFF8E}"/>
+              </a:ext>
+            </a:extLst>
+          </p:cNvPr>
+          <p:cNvPicPr>
+            <a:picLocks noChangeAspect="1"/>
+          </p:cNvPicPr>
+          <p:nvPr/>
+        </p:nvPicPr>
+        <p:blipFill>
+          <a:blip r:embed="rId2">
+            <a:extLst>
+              <a:ext uri="{96DAC541-7B7A-43D3-8B79-37D633B846F1}">
+                <asvg:svgBlip xmlns:asvg="http://schemas.microsoft.com/office/drawing/2016/SVG/main" r:embed="rId3"/>
+              </a:ext>
+            </a:extLst>
+          </a:blip>
+          <a:stretch>
+            <a:fillRect/>
+          </a:stretch>
+        </p:blipFill>
+        <p:spPr>
+          <a:xfrm>
+            <a:off x="4829772" y="1462076"/>
+            <a:ext cx="452385" cy="452385"/>
+          </a:xfrm>
+          <a:prstGeom prst="rect">
+            <a:avLst/>
+          </a:prstGeom>
+        </p:spPr>
+      </p:pic>
+      <p:sp>
+        <p:nvSpPr>
+          <p:cNvPr id="116" name="TextBox 115">
+            <a:extLst>
+              <a:ext uri="{FF2B5EF4-FFF2-40B4-BE49-F238E27FC236}">
+                <a16:creationId xmlns:a16="http://schemas.microsoft.com/office/drawing/2014/main" id="{593E1EBD-3010-D354-D592-67891B15E723}"/>
+              </a:ext>
+            </a:extLst>
+          </p:cNvPr>
+          <p:cNvSpPr txBox="1"/>
+          <p:nvPr/>
+        </p:nvSpPr>
+        <p:spPr>
+          <a:xfrm>
+            <a:off x="5242744" y="1500930"/>
+            <a:ext cx="3271290" cy="369332"/>
+          </a:xfrm>
+          <a:prstGeom prst="rect">
+            <a:avLst/>
+          </a:prstGeom>
+          <a:noFill/>
+        </p:spPr>
+        <p:txBody>
+          <a:bodyPr wrap="square" rtlCol="0">
+            <a:spAutoFit/>
+          </a:bodyPr>
+          <a:lstStyle/>
+          <a:p>
+            <a:r>
+              <a:rPr lang="en-US" dirty="0"/>
+              <a:t>Credit token owner (aka node)</a:t>
+            </a:r>
+          </a:p>
+        </p:txBody>
+      </p:sp>
+      <p:cxnSp>
+        <p:nvCxnSpPr>
+          <p:cNvPr id="117" name="Straight Connector 116">
+            <a:extLst>
+              <a:ext uri="{FF2B5EF4-FFF2-40B4-BE49-F238E27FC236}">
+                <a16:creationId xmlns:a16="http://schemas.microsoft.com/office/drawing/2014/main" id="{90488B23-2DB5-5987-119F-052886F61FD9}"/>
+              </a:ext>
+            </a:extLst>
+          </p:cNvPr>
+          <p:cNvCxnSpPr>
+            <a:cxnSpLocks/>
+          </p:cNvCxnSpPr>
+          <p:nvPr/>
+        </p:nvCxnSpPr>
+        <p:spPr>
+          <a:xfrm>
+            <a:off x="5301256" y="1925184"/>
+            <a:ext cx="0" cy="374886"/>
+          </a:xfrm>
+          <a:prstGeom prst="line">
+            <a:avLst/>
+          </a:prstGeom>
+        </p:spPr>
+        <p:style>
+          <a:lnRef idx="2">
+            <a:schemeClr val="accent1"/>
+          </a:lnRef>
+          <a:fillRef idx="0">
+            <a:schemeClr val="accent1"/>
+          </a:fillRef>
+          <a:effectRef idx="1">
+            <a:schemeClr val="accent1"/>
+          </a:effectRef>
+          <a:fontRef idx="minor">
+            <a:schemeClr val="tx1"/>
+          </a:fontRef>
+        </p:style>
+      </p:cxnSp>
+      <p:pic>
+        <p:nvPicPr>
+          <p:cNvPr id="119" name="Graphic 118" descr="Coins with solid fill">
+            <a:extLst>
+              <a:ext uri="{FF2B5EF4-FFF2-40B4-BE49-F238E27FC236}">
+                <a16:creationId xmlns:a16="http://schemas.microsoft.com/office/drawing/2014/main" id="{8D34956D-E669-2761-9AA5-97B68A21B1C7}"/>
+              </a:ext>
+            </a:extLst>
+          </p:cNvPr>
+          <p:cNvPicPr>
+            <a:picLocks noChangeAspect="1"/>
+          </p:cNvPicPr>
+          <p:nvPr/>
+        </p:nvPicPr>
+        <p:blipFill>
+          <a:blip r:embed="rId2">
+            <a:extLst>
+              <a:ext uri="{96DAC541-7B7A-43D3-8B79-37D633B846F1}">
+                <asvg:svgBlip xmlns:asvg="http://schemas.microsoft.com/office/drawing/2016/SVG/main" r:embed="rId3"/>
+              </a:ext>
+            </a:extLst>
+          </a:blip>
+          <a:stretch>
+            <a:fillRect/>
+          </a:stretch>
+        </p:blipFill>
+        <p:spPr>
+          <a:xfrm>
+            <a:off x="5043897" y="3525968"/>
+            <a:ext cx="452385" cy="452385"/>
+          </a:xfrm>
+          <a:prstGeom prst="rect">
+            <a:avLst/>
+          </a:prstGeom>
+        </p:spPr>
+      </p:pic>
+    </p:spTree>
+    <p:extLst>
+      <p:ext uri="{BB962C8B-B14F-4D97-AF65-F5344CB8AC3E}">
+        <p14:creationId xmlns:p14="http://schemas.microsoft.com/office/powerpoint/2010/main" val="3707522636"/>
+      </p:ext>
+    </p:extLst>
+  </p:cSld>
+  <p:clrMapOvr>
+    <a:masterClrMapping/>
+  </p:clrMapOvr>
+</p:sld>
+</file>
+
+<file path=ppt/slides/slide4.xml><?xml version="1.0" encoding="utf-8"?>
+<p:sld xmlns:a="http://schemas.openxmlformats.org/drawingml/2006/main" xmlns:r="http://schemas.openxmlformats.org/officeDocument/2006/relationships" xmlns:p="http://schemas.openxmlformats.org/presentationml/2006/main">
+  <p:cSld>
+    <p:spTree>
+      <p:nvGrpSpPr>
+        <p:cNvPr id="1" name=""/>
+        <p:cNvGrpSpPr/>
+        <p:nvPr/>
+      </p:nvGrpSpPr>
+      <p:grpSpPr>
+        <a:xfrm>
+          <a:off x="0" y="0"/>
+          <a:ext cx="0" cy="0"/>
+          <a:chOff x="0" y="0"/>
+          <a:chExt cx="0" cy="0"/>
+        </a:xfrm>
+      </p:grpSpPr>
+      <p:sp>
+        <p:nvSpPr>
           <p:cNvPr id="2" name="Titel 1">
             <a:extLst>
               <a:ext uri="{FF2B5EF4-FFF2-40B4-BE49-F238E27FC236}">
@@ -5160,7 +8169,7 @@
 </p:sld>
 </file>
 
-<file path=ppt/slides/slide4.xml><?xml version="1.0" encoding="utf-8"?>
+<file path=ppt/slides/slide5.xml><?xml version="1.0" encoding="utf-8"?>
 <p:sld xmlns:a="http://schemas.openxmlformats.org/drawingml/2006/main" xmlns:r="http://schemas.openxmlformats.org/officeDocument/2006/relationships" xmlns:p="http://schemas.openxmlformats.org/presentationml/2006/main">
   <p:cSld>
     <p:spTree>
